--- a/Zajecia6/SEO.pptx
+++ b/Zajecia6/SEO.pptx
@@ -27,26 +27,23 @@
     <p:sldId id="272" r:id="rId22"/>
     <p:sldId id="273" r:id="rId23"/>
     <p:sldId id="274" r:id="rId24"/>
-    <p:sldId id="275" r:id="rId25"/>
-    <p:sldId id="276" r:id="rId26"/>
-    <p:sldId id="277" r:id="rId27"/>
   </p:sldIdLst>
   <p:sldSz cy="5143500" cx="9144000"/>
   <p:notesSz cx="6858000" cy="9144000"/>
   <p:embeddedFontLst>
     <p:embeddedFont>
       <p:font typeface="Raleway"/>
-      <p:regular r:id="rId28"/>
-      <p:bold r:id="rId29"/>
-      <p:italic r:id="rId30"/>
-      <p:boldItalic r:id="rId31"/>
+      <p:regular r:id="rId25"/>
+      <p:bold r:id="rId26"/>
+      <p:italic r:id="rId27"/>
+      <p:boldItalic r:id="rId28"/>
     </p:embeddedFont>
     <p:embeddedFont>
       <p:font typeface="Source Sans Pro"/>
-      <p:regular r:id="rId32"/>
-      <p:bold r:id="rId33"/>
-      <p:italic r:id="rId34"/>
-      <p:boldItalic r:id="rId35"/>
+      <p:regular r:id="rId29"/>
+      <p:bold r:id="rId30"/>
+      <p:italic r:id="rId31"/>
+      <p:boldItalic r:id="rId32"/>
     </p:embeddedFont>
   </p:embeddedFontLst>
   <p:defaultTextStyle>
@@ -841,7 +838,7 @@
       </p:grpSpPr>
       <p:sp>
         <p:nvSpPr>
-          <p:cNvPr id="109" name="Google Shape;109;g1fdff666c67_0_16:notes"/>
+          <p:cNvPr id="109" name="Google Shape;109;g1fdff666c67_0_21:notes"/>
           <p:cNvSpPr/>
           <p:nvPr>
             <p:ph idx="2" type="sldImg"/>
@@ -876,7 +873,7 @@
       </p:sp>
       <p:sp>
         <p:nvSpPr>
-          <p:cNvPr id="110" name="Google Shape;110;g1fdff666c67_0_16:notes"/>
+          <p:cNvPr id="110" name="Google Shape;110;g1fdff666c67_0_21:notes"/>
           <p:cNvSpPr txBox="1"/>
           <p:nvPr>
             <p:ph idx="1" type="body"/>
@@ -926,7 +923,7 @@
   <p:cSld>
     <p:spTree>
       <p:nvGrpSpPr>
-        <p:cNvPr id="115" name="Shape 115"/>
+        <p:cNvPr id="114" name="Shape 114"/>
         <p:cNvGrpSpPr/>
         <p:nvPr/>
       </p:nvGrpSpPr>
@@ -940,7 +937,7 @@
       </p:grpSpPr>
       <p:sp>
         <p:nvSpPr>
-          <p:cNvPr id="116" name="Google Shape;116;g1ff9e685553_0_1:notes"/>
+          <p:cNvPr id="115" name="Google Shape;115;g1fcce51ffa8_0_64:notes"/>
           <p:cNvSpPr/>
           <p:nvPr>
             <p:ph idx="2" type="sldImg"/>
@@ -975,7 +972,7 @@
       </p:sp>
       <p:sp>
         <p:nvSpPr>
-          <p:cNvPr id="117" name="Google Shape;117;g1ff9e685553_0_1:notes"/>
+          <p:cNvPr id="116" name="Google Shape;116;g1fcce51ffa8_0_64:notes"/>
           <p:cNvSpPr txBox="1"/>
           <p:nvPr>
             <p:ph idx="1" type="body"/>
@@ -1025,7 +1022,7 @@
   <p:cSld>
     <p:spTree>
       <p:nvGrpSpPr>
-        <p:cNvPr id="122" name="Shape 122"/>
+        <p:cNvPr id="120" name="Shape 120"/>
         <p:cNvGrpSpPr/>
         <p:nvPr/>
       </p:nvGrpSpPr>
@@ -1039,7 +1036,7 @@
       </p:grpSpPr>
       <p:sp>
         <p:nvSpPr>
-          <p:cNvPr id="123" name="Google Shape;123;g1fdff666c67_0_21:notes"/>
+          <p:cNvPr id="121" name="Google Shape;121;g1fcce51ffa8_0_69:notes"/>
           <p:cNvSpPr/>
           <p:nvPr>
             <p:ph idx="2" type="sldImg"/>
@@ -1074,7 +1071,7 @@
       </p:sp>
       <p:sp>
         <p:nvSpPr>
-          <p:cNvPr id="124" name="Google Shape;124;g1fdff666c67_0_21:notes"/>
+          <p:cNvPr id="122" name="Google Shape;122;g1fcce51ffa8_0_69:notes"/>
           <p:cNvSpPr txBox="1"/>
           <p:nvPr>
             <p:ph idx="1" type="body"/>
@@ -1124,7 +1121,7 @@
   <p:cSld>
     <p:spTree>
       <p:nvGrpSpPr>
-        <p:cNvPr id="128" name="Shape 128"/>
+        <p:cNvPr id="126" name="Shape 126"/>
         <p:cNvGrpSpPr/>
         <p:nvPr/>
       </p:nvGrpSpPr>
@@ -1138,7 +1135,7 @@
       </p:grpSpPr>
       <p:sp>
         <p:nvSpPr>
-          <p:cNvPr id="129" name="Google Shape;129;g1fcce51ffa8_0_64:notes"/>
+          <p:cNvPr id="127" name="Google Shape;127;g1fcce51ffa8_0_74:notes"/>
           <p:cNvSpPr/>
           <p:nvPr>
             <p:ph idx="2" type="sldImg"/>
@@ -1173,7 +1170,7 @@
       </p:sp>
       <p:sp>
         <p:nvSpPr>
-          <p:cNvPr id="130" name="Google Shape;130;g1fcce51ffa8_0_64:notes"/>
+          <p:cNvPr id="128" name="Google Shape;128;g1fcce51ffa8_0_74:notes"/>
           <p:cNvSpPr txBox="1"/>
           <p:nvPr>
             <p:ph idx="1" type="body"/>
@@ -1223,7 +1220,7 @@
   <p:cSld>
     <p:spTree>
       <p:nvGrpSpPr>
-        <p:cNvPr id="134" name="Shape 134"/>
+        <p:cNvPr id="132" name="Shape 132"/>
         <p:cNvGrpSpPr/>
         <p:nvPr/>
       </p:nvGrpSpPr>
@@ -1237,7 +1234,7 @@
       </p:grpSpPr>
       <p:sp>
         <p:nvSpPr>
-          <p:cNvPr id="135" name="Google Shape;135;g1fcce51ffa8_0_69:notes"/>
+          <p:cNvPr id="133" name="Google Shape;133;g1fcce51ffa8_0_79:notes"/>
           <p:cNvSpPr/>
           <p:nvPr>
             <p:ph idx="2" type="sldImg"/>
@@ -1272,7 +1269,7 @@
       </p:sp>
       <p:sp>
         <p:nvSpPr>
-          <p:cNvPr id="136" name="Google Shape;136;g1fcce51ffa8_0_69:notes"/>
+          <p:cNvPr id="134" name="Google Shape;134;g1fcce51ffa8_0_79:notes"/>
           <p:cNvSpPr txBox="1"/>
           <p:nvPr>
             <p:ph idx="1" type="body"/>
@@ -1322,7 +1319,7 @@
   <p:cSld>
     <p:spTree>
       <p:nvGrpSpPr>
-        <p:cNvPr id="140" name="Shape 140"/>
+        <p:cNvPr id="138" name="Shape 138"/>
         <p:cNvGrpSpPr/>
         <p:nvPr/>
       </p:nvGrpSpPr>
@@ -1336,7 +1333,7 @@
       </p:grpSpPr>
       <p:sp>
         <p:nvSpPr>
-          <p:cNvPr id="141" name="Google Shape;141;g1fcce51ffa8_0_74:notes"/>
+          <p:cNvPr id="139" name="Google Shape;139;g1fcce51ffa8_0_117:notes"/>
           <p:cNvSpPr/>
           <p:nvPr>
             <p:ph idx="2" type="sldImg"/>
@@ -1371,7 +1368,7 @@
       </p:sp>
       <p:sp>
         <p:nvSpPr>
-          <p:cNvPr id="142" name="Google Shape;142;g1fcce51ffa8_0_74:notes"/>
+          <p:cNvPr id="140" name="Google Shape;140;g1fcce51ffa8_0_117:notes"/>
           <p:cNvSpPr txBox="1"/>
           <p:nvPr>
             <p:ph idx="1" type="body"/>
@@ -1421,7 +1418,7 @@
   <p:cSld>
     <p:spTree>
       <p:nvGrpSpPr>
-        <p:cNvPr id="146" name="Shape 146"/>
+        <p:cNvPr id="144" name="Shape 144"/>
         <p:cNvGrpSpPr/>
         <p:nvPr/>
       </p:nvGrpSpPr>
@@ -1435,7 +1432,7 @@
       </p:grpSpPr>
       <p:sp>
         <p:nvSpPr>
-          <p:cNvPr id="147" name="Google Shape;147;g1fcce51ffa8_0_79:notes"/>
+          <p:cNvPr id="145" name="Google Shape;145;g1fcce51ffa8_0_85:notes"/>
           <p:cNvSpPr/>
           <p:nvPr>
             <p:ph idx="2" type="sldImg"/>
@@ -1470,7 +1467,7 @@
       </p:sp>
       <p:sp>
         <p:nvSpPr>
-          <p:cNvPr id="148" name="Google Shape;148;g1fcce51ffa8_0_79:notes"/>
+          <p:cNvPr id="146" name="Google Shape;146;g1fcce51ffa8_0_85:notes"/>
           <p:cNvSpPr txBox="1"/>
           <p:nvPr>
             <p:ph idx="1" type="body"/>
@@ -1520,7 +1517,7 @@
   <p:cSld>
     <p:spTree>
       <p:nvGrpSpPr>
-        <p:cNvPr id="152" name="Shape 152"/>
+        <p:cNvPr id="150" name="Shape 150"/>
         <p:cNvGrpSpPr/>
         <p:nvPr/>
       </p:nvGrpSpPr>
@@ -1534,7 +1531,7 @@
       </p:grpSpPr>
       <p:sp>
         <p:nvSpPr>
-          <p:cNvPr id="153" name="Google Shape;153;g1fcce51ffa8_0_117:notes"/>
+          <p:cNvPr id="151" name="Google Shape;151;g1fcce51ffa8_0_96:notes"/>
           <p:cNvSpPr/>
           <p:nvPr>
             <p:ph idx="2" type="sldImg"/>
@@ -1569,7 +1566,7 @@
       </p:sp>
       <p:sp>
         <p:nvSpPr>
-          <p:cNvPr id="154" name="Google Shape;154;g1fcce51ffa8_0_117:notes"/>
+          <p:cNvPr id="152" name="Google Shape;152;g1fcce51ffa8_0_96:notes"/>
           <p:cNvSpPr txBox="1"/>
           <p:nvPr>
             <p:ph idx="1" type="body"/>
@@ -1619,7 +1616,7 @@
   <p:cSld>
     <p:spTree>
       <p:nvGrpSpPr>
-        <p:cNvPr id="158" name="Shape 158"/>
+        <p:cNvPr id="156" name="Shape 156"/>
         <p:cNvGrpSpPr/>
         <p:nvPr/>
       </p:nvGrpSpPr>
@@ -1633,7 +1630,7 @@
       </p:grpSpPr>
       <p:sp>
         <p:nvSpPr>
-          <p:cNvPr id="159" name="Google Shape;159;g1fcce51ffa8_0_85:notes"/>
+          <p:cNvPr id="157" name="Google Shape;157;g1fcce51ffa8_0_101:notes"/>
           <p:cNvSpPr/>
           <p:nvPr>
             <p:ph idx="2" type="sldImg"/>
@@ -1668,7 +1665,7 @@
       </p:sp>
       <p:sp>
         <p:nvSpPr>
-          <p:cNvPr id="160" name="Google Shape;160;g1fcce51ffa8_0_85:notes"/>
+          <p:cNvPr id="158" name="Google Shape;158;g1fcce51ffa8_0_101:notes"/>
           <p:cNvSpPr txBox="1"/>
           <p:nvPr>
             <p:ph idx="1" type="body"/>
@@ -1718,7 +1715,7 @@
   <p:cSld>
     <p:spTree>
       <p:nvGrpSpPr>
-        <p:cNvPr id="164" name="Shape 164"/>
+        <p:cNvPr id="162" name="Shape 162"/>
         <p:cNvGrpSpPr/>
         <p:nvPr/>
       </p:nvGrpSpPr>
@@ -1732,7 +1729,7 @@
       </p:grpSpPr>
       <p:sp>
         <p:nvSpPr>
-          <p:cNvPr id="165" name="Google Shape;165;g1fcce51ffa8_0_96:notes"/>
+          <p:cNvPr id="163" name="Google Shape;163;g1fdff666c67_0_16:notes"/>
           <p:cNvSpPr/>
           <p:nvPr>
             <p:ph idx="2" type="sldImg"/>
@@ -1767,7 +1764,7 @@
       </p:sp>
       <p:sp>
         <p:nvSpPr>
-          <p:cNvPr id="166" name="Google Shape;166;g1fcce51ffa8_0_96:notes"/>
+          <p:cNvPr id="164" name="Google Shape;164;g1fdff666c67_0_16:notes"/>
           <p:cNvSpPr txBox="1"/>
           <p:nvPr>
             <p:ph idx="1" type="body"/>
@@ -1867,303 +1864,6 @@
       <p:sp>
         <p:nvSpPr>
           <p:cNvPr id="62" name="Google Shape;62;g1fcce51ffa8_0_49:notes"/>
-          <p:cNvSpPr txBox="1"/>
-          <p:nvPr>
-            <p:ph idx="1" type="body"/>
-          </p:nvPr>
-        </p:nvSpPr>
-        <p:spPr>
-          <a:xfrm>
-            <a:off x="685800" y="4343400"/>
-            <a:ext cx="5486400" cy="4114800"/>
-          </a:xfrm>
-          <a:prstGeom prst="rect">
-            <a:avLst/>
-          </a:prstGeom>
-        </p:spPr>
-        <p:txBody>
-          <a:bodyPr anchorCtr="0" anchor="t" bIns="91425" lIns="91425" spcFirstLastPara="1" rIns="91425" wrap="square" tIns="91425">
-            <a:noAutofit/>
-          </a:bodyPr>
-          <a:lstStyle/>
-          <a:p>
-            <a:pPr indent="0" lvl="0" marL="0" rtl="0" algn="l">
-              <a:spcBef>
-                <a:spcPts val="0"/>
-              </a:spcBef>
-              <a:spcAft>
-                <a:spcPts val="0"/>
-              </a:spcAft>
-              <a:buNone/>
-            </a:pPr>
-            <a:r>
-              <a:t/>
-            </a:r>
-            <a:endParaRPr/>
-          </a:p>
-        </p:txBody>
-      </p:sp>
-    </p:spTree>
-  </p:cSld>
-  <p:clrMapOvr>
-    <a:masterClrMapping/>
-  </p:clrMapOvr>
-</p:notes>
-</file>
-
-<file path=ppt/notesSlides/notesSlide20.xml><?xml version="1.0" encoding="utf-8"?>
-<p:notes xmlns:a="http://schemas.openxmlformats.org/drawingml/2006/main" xmlns:r="http://schemas.openxmlformats.org/officeDocument/2006/relationships" xmlns:mc="http://schemas.openxmlformats.org/markup-compatibility/2006" xmlns:mv="urn:schemas-microsoft-com:mac:vml" xmlns:p="http://schemas.openxmlformats.org/presentationml/2006/main" xmlns:c="http://schemas.openxmlformats.org/drawingml/2006/chart" xmlns:dgm="http://schemas.openxmlformats.org/drawingml/2006/diagram" xmlns:o="urn:schemas-microsoft-com:office:office" xmlns:v="urn:schemas-microsoft-com:vml" xmlns:pvml="urn:schemas-microsoft-com:office:powerpoint" xmlns:com="http://schemas.openxmlformats.org/drawingml/2006/compatibility" xmlns:p14="http://schemas.microsoft.com/office/powerpoint/2010/main" xmlns:p15="http://schemas.microsoft.com/office/powerpoint/2012/main" xmlns:ahyp="http://schemas.microsoft.com/office/drawing/2018/hyperlinkcolor" showMasterPhAnim="0" showMasterSp="0">
-  <p:cSld>
-    <p:spTree>
-      <p:nvGrpSpPr>
-        <p:cNvPr id="170" name="Shape 170"/>
-        <p:cNvGrpSpPr/>
-        <p:nvPr/>
-      </p:nvGrpSpPr>
-      <p:grpSpPr>
-        <a:xfrm>
-          <a:off x="0" y="0"/>
-          <a:ext cx="0" cy="0"/>
-          <a:chOff x="0" y="0"/>
-          <a:chExt cx="0" cy="0"/>
-        </a:xfrm>
-      </p:grpSpPr>
-      <p:sp>
-        <p:nvSpPr>
-          <p:cNvPr id="171" name="Google Shape;171;g1fcce51ffa8_0_101:notes"/>
-          <p:cNvSpPr/>
-          <p:nvPr>
-            <p:ph idx="2" type="sldImg"/>
-          </p:nvPr>
-        </p:nvSpPr>
-        <p:spPr>
-          <a:xfrm>
-            <a:off x="381300" y="685800"/>
-            <a:ext cx="6096000" cy="3429000"/>
-          </a:xfrm>
-          <a:custGeom>
-            <a:rect b="b" l="l" r="r" t="t"/>
-            <a:pathLst>
-              <a:path extrusionOk="0" h="120000" w="120000">
-                <a:moveTo>
-                  <a:pt x="0" y="0"/>
-                </a:moveTo>
-                <a:lnTo>
-                  <a:pt x="120000" y="0"/>
-                </a:lnTo>
-                <a:lnTo>
-                  <a:pt x="120000" y="120000"/>
-                </a:lnTo>
-                <a:lnTo>
-                  <a:pt x="0" y="120000"/>
-                </a:lnTo>
-                <a:close/>
-              </a:path>
-            </a:pathLst>
-          </a:custGeom>
-        </p:spPr>
-      </p:sp>
-      <p:sp>
-        <p:nvSpPr>
-          <p:cNvPr id="172" name="Google Shape;172;g1fcce51ffa8_0_101:notes"/>
-          <p:cNvSpPr txBox="1"/>
-          <p:nvPr>
-            <p:ph idx="1" type="body"/>
-          </p:nvPr>
-        </p:nvSpPr>
-        <p:spPr>
-          <a:xfrm>
-            <a:off x="685800" y="4343400"/>
-            <a:ext cx="5486400" cy="4114800"/>
-          </a:xfrm>
-          <a:prstGeom prst="rect">
-            <a:avLst/>
-          </a:prstGeom>
-        </p:spPr>
-        <p:txBody>
-          <a:bodyPr anchorCtr="0" anchor="t" bIns="91425" lIns="91425" spcFirstLastPara="1" rIns="91425" wrap="square" tIns="91425">
-            <a:noAutofit/>
-          </a:bodyPr>
-          <a:lstStyle/>
-          <a:p>
-            <a:pPr indent="0" lvl="0" marL="0" rtl="0" algn="l">
-              <a:spcBef>
-                <a:spcPts val="0"/>
-              </a:spcBef>
-              <a:spcAft>
-                <a:spcPts val="0"/>
-              </a:spcAft>
-              <a:buNone/>
-            </a:pPr>
-            <a:r>
-              <a:t/>
-            </a:r>
-            <a:endParaRPr/>
-          </a:p>
-        </p:txBody>
-      </p:sp>
-    </p:spTree>
-  </p:cSld>
-  <p:clrMapOvr>
-    <a:masterClrMapping/>
-  </p:clrMapOvr>
-</p:notes>
-</file>
-
-<file path=ppt/notesSlides/notesSlide21.xml><?xml version="1.0" encoding="utf-8"?>
-<p:notes xmlns:a="http://schemas.openxmlformats.org/drawingml/2006/main" xmlns:r="http://schemas.openxmlformats.org/officeDocument/2006/relationships" xmlns:mc="http://schemas.openxmlformats.org/markup-compatibility/2006" xmlns:mv="urn:schemas-microsoft-com:mac:vml" xmlns:p="http://schemas.openxmlformats.org/presentationml/2006/main" xmlns:c="http://schemas.openxmlformats.org/drawingml/2006/chart" xmlns:dgm="http://schemas.openxmlformats.org/drawingml/2006/diagram" xmlns:o="urn:schemas-microsoft-com:office:office" xmlns:v="urn:schemas-microsoft-com:vml" xmlns:pvml="urn:schemas-microsoft-com:office:powerpoint" xmlns:com="http://schemas.openxmlformats.org/drawingml/2006/compatibility" xmlns:p14="http://schemas.microsoft.com/office/powerpoint/2010/main" xmlns:p15="http://schemas.microsoft.com/office/powerpoint/2012/main" xmlns:ahyp="http://schemas.microsoft.com/office/drawing/2018/hyperlinkcolor" showMasterPhAnim="0" showMasterSp="0">
-  <p:cSld>
-    <p:spTree>
-      <p:nvGrpSpPr>
-        <p:cNvPr id="176" name="Shape 176"/>
-        <p:cNvGrpSpPr/>
-        <p:nvPr/>
-      </p:nvGrpSpPr>
-      <p:grpSpPr>
-        <a:xfrm>
-          <a:off x="0" y="0"/>
-          <a:ext cx="0" cy="0"/>
-          <a:chOff x="0" y="0"/>
-          <a:chExt cx="0" cy="0"/>
-        </a:xfrm>
-      </p:grpSpPr>
-      <p:sp>
-        <p:nvSpPr>
-          <p:cNvPr id="177" name="Google Shape;177;g1fcce51ffa8_0_106:notes"/>
-          <p:cNvSpPr/>
-          <p:nvPr>
-            <p:ph idx="2" type="sldImg"/>
-          </p:nvPr>
-        </p:nvSpPr>
-        <p:spPr>
-          <a:xfrm>
-            <a:off x="381300" y="685800"/>
-            <a:ext cx="6096000" cy="3429000"/>
-          </a:xfrm>
-          <a:custGeom>
-            <a:rect b="b" l="l" r="r" t="t"/>
-            <a:pathLst>
-              <a:path extrusionOk="0" h="120000" w="120000">
-                <a:moveTo>
-                  <a:pt x="0" y="0"/>
-                </a:moveTo>
-                <a:lnTo>
-                  <a:pt x="120000" y="0"/>
-                </a:lnTo>
-                <a:lnTo>
-                  <a:pt x="120000" y="120000"/>
-                </a:lnTo>
-                <a:lnTo>
-                  <a:pt x="0" y="120000"/>
-                </a:lnTo>
-                <a:close/>
-              </a:path>
-            </a:pathLst>
-          </a:custGeom>
-        </p:spPr>
-      </p:sp>
-      <p:sp>
-        <p:nvSpPr>
-          <p:cNvPr id="178" name="Google Shape;178;g1fcce51ffa8_0_106:notes"/>
-          <p:cNvSpPr txBox="1"/>
-          <p:nvPr>
-            <p:ph idx="1" type="body"/>
-          </p:nvPr>
-        </p:nvSpPr>
-        <p:spPr>
-          <a:xfrm>
-            <a:off x="685800" y="4343400"/>
-            <a:ext cx="5486400" cy="4114800"/>
-          </a:xfrm>
-          <a:prstGeom prst="rect">
-            <a:avLst/>
-          </a:prstGeom>
-        </p:spPr>
-        <p:txBody>
-          <a:bodyPr anchorCtr="0" anchor="t" bIns="91425" lIns="91425" spcFirstLastPara="1" rIns="91425" wrap="square" tIns="91425">
-            <a:noAutofit/>
-          </a:bodyPr>
-          <a:lstStyle/>
-          <a:p>
-            <a:pPr indent="0" lvl="0" marL="0" rtl="0" algn="l">
-              <a:spcBef>
-                <a:spcPts val="0"/>
-              </a:spcBef>
-              <a:spcAft>
-                <a:spcPts val="0"/>
-              </a:spcAft>
-              <a:buNone/>
-            </a:pPr>
-            <a:r>
-              <a:t/>
-            </a:r>
-            <a:endParaRPr/>
-          </a:p>
-        </p:txBody>
-      </p:sp>
-    </p:spTree>
-  </p:cSld>
-  <p:clrMapOvr>
-    <a:masterClrMapping/>
-  </p:clrMapOvr>
-</p:notes>
-</file>
-
-<file path=ppt/notesSlides/notesSlide22.xml><?xml version="1.0" encoding="utf-8"?>
-<p:notes xmlns:a="http://schemas.openxmlformats.org/drawingml/2006/main" xmlns:r="http://schemas.openxmlformats.org/officeDocument/2006/relationships" xmlns:mc="http://schemas.openxmlformats.org/markup-compatibility/2006" xmlns:mv="urn:schemas-microsoft-com:mac:vml" xmlns:p="http://schemas.openxmlformats.org/presentationml/2006/main" xmlns:c="http://schemas.openxmlformats.org/drawingml/2006/chart" xmlns:dgm="http://schemas.openxmlformats.org/drawingml/2006/diagram" xmlns:o="urn:schemas-microsoft-com:office:office" xmlns:v="urn:schemas-microsoft-com:vml" xmlns:pvml="urn:schemas-microsoft-com:office:powerpoint" xmlns:com="http://schemas.openxmlformats.org/drawingml/2006/compatibility" xmlns:p14="http://schemas.microsoft.com/office/powerpoint/2010/main" xmlns:p15="http://schemas.microsoft.com/office/powerpoint/2012/main" xmlns:ahyp="http://schemas.microsoft.com/office/drawing/2018/hyperlinkcolor" showMasterPhAnim="0" showMasterSp="0">
-  <p:cSld>
-    <p:spTree>
-      <p:nvGrpSpPr>
-        <p:cNvPr id="182" name="Shape 182"/>
-        <p:cNvGrpSpPr/>
-        <p:nvPr/>
-      </p:nvGrpSpPr>
-      <p:grpSpPr>
-        <a:xfrm>
-          <a:off x="0" y="0"/>
-          <a:ext cx="0" cy="0"/>
-          <a:chOff x="0" y="0"/>
-          <a:chExt cx="0" cy="0"/>
-        </a:xfrm>
-      </p:grpSpPr>
-      <p:sp>
-        <p:nvSpPr>
-          <p:cNvPr id="183" name="Google Shape;183;g1fdff666c67_0_31:notes"/>
-          <p:cNvSpPr/>
-          <p:nvPr>
-            <p:ph idx="2" type="sldImg"/>
-          </p:nvPr>
-        </p:nvSpPr>
-        <p:spPr>
-          <a:xfrm>
-            <a:off x="381300" y="685800"/>
-            <a:ext cx="6096000" cy="3429000"/>
-          </a:xfrm>
-          <a:custGeom>
-            <a:rect b="b" l="l" r="r" t="t"/>
-            <a:pathLst>
-              <a:path extrusionOk="0" h="120000" w="120000">
-                <a:moveTo>
-                  <a:pt x="0" y="0"/>
-                </a:moveTo>
-                <a:lnTo>
-                  <a:pt x="120000" y="0"/>
-                </a:lnTo>
-                <a:lnTo>
-                  <a:pt x="120000" y="120000"/>
-                </a:lnTo>
-                <a:lnTo>
-                  <a:pt x="0" y="120000"/>
-                </a:lnTo>
-                <a:close/>
-              </a:path>
-            </a:pathLst>
-          </a:custGeom>
-        </p:spPr>
-      </p:sp>
-      <p:sp>
-        <p:nvSpPr>
-          <p:cNvPr id="184" name="Google Shape;184;g1fdff666c67_0_31:notes"/>
           <p:cNvSpPr txBox="1"/>
           <p:nvPr>
             <p:ph idx="1" type="body"/>
@@ -8416,7 +8116,7 @@
             </a:pPr>
             <a:r>
               <a:rPr lang="pl"/>
-              <a:t>Dobra semantyka</a:t>
+              <a:t>Czytelność strony</a:t>
             </a:r>
             <a:endParaRPr/>
           </a:p>
@@ -8433,7 +8133,7 @@
         <p:spPr>
           <a:xfrm>
             <a:off x="311700" y="1152475"/>
-            <a:ext cx="4260300" cy="3416400"/>
+            <a:ext cx="8520600" cy="3416400"/>
           </a:xfrm>
           <a:prstGeom prst="rect">
             <a:avLst/>
@@ -8445,137 +8145,65 @@
           </a:bodyPr>
           <a:lstStyle/>
           <a:p>
-            <a:pPr indent="-342900" lvl="0" marL="457200" rtl="0" algn="l">
-              <a:spcBef>
-                <a:spcPts val="0"/>
-              </a:spcBef>
-              <a:spcAft>
-                <a:spcPts val="0"/>
-              </a:spcAft>
-              <a:buSzPts val="1800"/>
-              <a:buChar char="-"/>
+            <a:pPr indent="0" lvl="0" marL="0" rtl="0" algn="l">
+              <a:spcBef>
+                <a:spcPts val="0"/>
+              </a:spcBef>
+              <a:spcAft>
+                <a:spcPts val="1200"/>
+              </a:spcAft>
+              <a:buNone/>
             </a:pPr>
             <a:r>
               <a:rPr lang="pl"/>
-              <a:t>waga elementów</a:t>
-            </a:r>
-            <a:endParaRPr/>
-          </a:p>
-          <a:p>
-            <a:pPr indent="-342900" lvl="0" marL="457200" rtl="0" algn="l">
-              <a:spcBef>
-                <a:spcPts val="0"/>
-              </a:spcBef>
-              <a:spcAft>
-                <a:spcPts val="0"/>
-              </a:spcAft>
-              <a:buSzPts val="1800"/>
-              <a:buChar char="-"/>
-            </a:pPr>
-            <a:r>
-              <a:rPr lang="pl"/>
-              <a:t>nagłówki &lt;h1&gt; … &lt;h6&gt;</a:t>
-            </a:r>
-            <a:endParaRPr/>
-          </a:p>
-          <a:p>
-            <a:pPr indent="-342900" lvl="0" marL="457200" rtl="0" algn="l">
-              <a:spcBef>
-                <a:spcPts val="0"/>
-              </a:spcBef>
-              <a:spcAft>
-                <a:spcPts val="0"/>
-              </a:spcAft>
-              <a:buSzPts val="1800"/>
-              <a:buChar char="-"/>
-            </a:pPr>
-            <a:r>
-              <a:rPr lang="pl"/>
-              <a:t>struktura dokumentu, tagi semantyczne</a:t>
-            </a:r>
-            <a:endParaRPr/>
-          </a:p>
-          <a:p>
-            <a:pPr indent="-342900" lvl="0" marL="457200" rtl="0" algn="l">
-              <a:spcBef>
-                <a:spcPts val="0"/>
-              </a:spcBef>
-              <a:spcAft>
-                <a:spcPts val="0"/>
-              </a:spcAft>
-              <a:buSzPts val="1800"/>
-              <a:buChar char="-"/>
-            </a:pPr>
-            <a:r>
-              <a:rPr lang="pl"/>
-              <a:t>znaczenie elementów tekstowych &lt;strong&gt; &lt;em&gt; &lt;mark&gt; &lt;cite&gt; &lt;blockquote&gt; &lt;q&gt; &lt;time&gt;</a:t>
-            </a:r>
-            <a:endParaRPr/>
-          </a:p>
-          <a:p>
-            <a:pPr indent="-342900" lvl="0" marL="457200" rtl="0" algn="l">
-              <a:spcBef>
-                <a:spcPts val="0"/>
-              </a:spcBef>
-              <a:spcAft>
-                <a:spcPts val="0"/>
-              </a:spcAft>
-              <a:buSzPts val="1800"/>
-              <a:buChar char="-"/>
-            </a:pPr>
-            <a:r>
-              <a:rPr lang="pl"/>
-              <a:t>różne media &lt;video&gt;  &lt;audio&gt; </a:t>
-            </a:r>
-            <a:endParaRPr/>
-          </a:p>
-          <a:p>
-            <a:pPr indent="-342900" lvl="0" marL="457200" rtl="0" algn="l">
-              <a:spcBef>
-                <a:spcPts val="0"/>
-              </a:spcBef>
-              <a:spcAft>
-                <a:spcPts val="0"/>
-              </a:spcAft>
-              <a:buSzPts val="1800"/>
-              <a:buChar char="-"/>
-            </a:pPr>
-            <a:r>
-              <a:rPr lang="pl"/>
-              <a:t>correlation tags</a:t>
+              <a:t>Mówi wyszukiwarce że treść strony jest dobrze zorganizowana, czytelna.</a:t>
+            </a:r>
+            <a:br>
+              <a:rPr lang="pl"/>
+            </a:br>
+            <a:r>
+              <a:rPr lang="pl"/>
+              <a:t>Pomaga utrzymać zainteresowanie użytkownika i dzięki temu jest bardziej prawdopodobne że taki użytkownik wróci.</a:t>
+            </a:r>
+            <a:br>
+              <a:rPr lang="pl"/>
+            </a:br>
+            <a:r>
+              <a:rPr lang="pl"/>
+              <a:t>Tekst ma dobrą czytelność dzięki:</a:t>
+            </a:r>
+            <a:br>
+              <a:rPr lang="pl"/>
+            </a:br>
+            <a:r>
+              <a:rPr lang="pl"/>
+              <a:t>- dobrze dobranej wielkości czcionki (Google poleca 16px)</a:t>
+            </a:r>
+            <a:br>
+              <a:rPr lang="pl"/>
+            </a:br>
+            <a:r>
+              <a:rPr lang="pl"/>
+              <a:t>- dobrze dobrany kolor</a:t>
+            </a:r>
+            <a:br>
+              <a:rPr lang="pl"/>
+            </a:br>
+            <a:r>
+              <a:rPr lang="pl"/>
+              <a:t>- headerom &lt;h1&gt; … &lt;h6&gt; razem z paragrafami &lt;p&gt;</a:t>
+            </a:r>
+            <a:br>
+              <a:rPr lang="pl"/>
+            </a:br>
+            <a:r>
+              <a:rPr lang="pl"/>
+              <a:t>- oprócz tekstu ważne są zdjęcia, video, animacje</a:t>
             </a:r>
             <a:endParaRPr/>
           </a:p>
         </p:txBody>
       </p:sp>
-      <p:pic>
-        <p:nvPicPr>
-          <p:cNvPr id="114" name="Google Shape;114;p22"/>
-          <p:cNvPicPr preferRelativeResize="0"/>
-          <p:nvPr/>
-        </p:nvPicPr>
-        <p:blipFill>
-          <a:blip r:embed="rId3">
-            <a:alphaModFix/>
-          </a:blip>
-          <a:stretch>
-            <a:fillRect/>
-          </a:stretch>
-        </p:blipFill>
-        <p:spPr>
-          <a:xfrm>
-            <a:off x="4643000" y="798600"/>
-            <a:ext cx="4242595" cy="3770274"/>
-          </a:xfrm>
-          <a:prstGeom prst="rect">
-            <a:avLst/>
-          </a:prstGeom>
-          <a:noFill/>
-          <a:ln>
-            <a:noFill/>
-          </a:ln>
-        </p:spPr>
-      </p:pic>
     </p:spTree>
   </p:cSld>
   <p:clrMapOvr>
@@ -8589,7 +8217,7 @@
   <p:cSld>
     <p:spTree>
       <p:nvGrpSpPr>
-        <p:cNvPr id="118" name="Shape 118"/>
+        <p:cNvPr id="117" name="Shape 117"/>
         <p:cNvGrpSpPr/>
         <p:nvPr/>
       </p:nvGrpSpPr>
@@ -8603,7 +8231,7 @@
       </p:grpSpPr>
       <p:sp>
         <p:nvSpPr>
-          <p:cNvPr id="119" name="Google Shape;119;p23"/>
+          <p:cNvPr id="118" name="Google Shape;118;p23"/>
           <p:cNvSpPr txBox="1"/>
           <p:nvPr>
             <p:ph type="title"/>
@@ -8634,7 +8262,8 @@
               <a:buNone/>
             </a:pPr>
             <a:r>
-              <a:t/>
+              <a:rPr lang="pl"/>
+              <a:t>title</a:t>
             </a:r>
             <a:endParaRPr/>
           </a:p>
@@ -8642,7 +8271,7 @@
       </p:sp>
       <p:sp>
         <p:nvSpPr>
-          <p:cNvPr id="120" name="Google Shape;120;p23"/>
+          <p:cNvPr id="119" name="Google Shape;119;p23"/>
           <p:cNvSpPr txBox="1"/>
           <p:nvPr>
             <p:ph idx="1" type="body"/>
@@ -8668,45 +8297,50 @@
                 <a:spcPts val="0"/>
               </a:spcBef>
               <a:spcAft>
+                <a:spcPts val="0"/>
+              </a:spcAft>
+              <a:buNone/>
+            </a:pPr>
+            <a:r>
+              <a:rPr lang="pl"/>
+              <a:t>Tag &lt;title&gt; to ogromny czynnik wpływający na wyszukiwanie. Pomaga wyszukiwarce zrozumieć czym zajmuje się nasz strona.</a:t>
+            </a:r>
+            <a:endParaRPr/>
+          </a:p>
+          <a:p>
+            <a:pPr indent="0" lvl="0" marL="0" rtl="0" algn="l">
+              <a:spcBef>
                 <a:spcPts val="1200"/>
+              </a:spcBef>
+              <a:spcAft>
+                <a:spcPts val="0"/>
               </a:spcAft>
               <a:buNone/>
             </a:pPr>
             <a:r>
-              <a:t/>
+              <a:rPr lang="pl"/>
+              <a:t>Powinien zawierać najważniejsze słowa, które opisują Twoją stronę.</a:t>
+            </a:r>
+            <a:endParaRPr/>
+          </a:p>
+          <a:p>
+            <a:pPr indent="0" lvl="0" marL="0" rtl="0" algn="l">
+              <a:spcBef>
+                <a:spcPts val="1200"/>
+              </a:spcBef>
+              <a:spcAft>
+                <a:spcPts val="1200"/>
+              </a:spcAft>
+              <a:buNone/>
+            </a:pPr>
+            <a:r>
+              <a:rPr lang="pl"/>
+              <a:t>Powinien składać się od 50 do 60 znaków.</a:t>
             </a:r>
             <a:endParaRPr/>
           </a:p>
         </p:txBody>
       </p:sp>
-      <p:pic>
-        <p:nvPicPr>
-          <p:cNvPr id="121" name="Google Shape;121;p23"/>
-          <p:cNvPicPr preferRelativeResize="0"/>
-          <p:nvPr/>
-        </p:nvPicPr>
-        <p:blipFill>
-          <a:blip r:embed="rId3">
-            <a:alphaModFix/>
-          </a:blip>
-          <a:stretch>
-            <a:fillRect/>
-          </a:stretch>
-        </p:blipFill>
-        <p:spPr>
-          <a:xfrm>
-            <a:off x="2768550" y="1777400"/>
-            <a:ext cx="5753100" cy="2743200"/>
-          </a:xfrm>
-          <a:prstGeom prst="rect">
-            <a:avLst/>
-          </a:prstGeom>
-          <a:noFill/>
-          <a:ln>
-            <a:noFill/>
-          </a:ln>
-        </p:spPr>
-      </p:pic>
     </p:spTree>
   </p:cSld>
   <p:clrMapOvr>
@@ -8720,7 +8354,7 @@
   <p:cSld>
     <p:spTree>
       <p:nvGrpSpPr>
-        <p:cNvPr id="125" name="Shape 125"/>
+        <p:cNvPr id="123" name="Shape 123"/>
         <p:cNvGrpSpPr/>
         <p:nvPr/>
       </p:nvGrpSpPr>
@@ -8734,7 +8368,7 @@
       </p:grpSpPr>
       <p:sp>
         <p:nvSpPr>
-          <p:cNvPr id="126" name="Google Shape;126;p24"/>
+          <p:cNvPr id="124" name="Google Shape;124;p24"/>
           <p:cNvSpPr txBox="1"/>
           <p:nvPr>
             <p:ph type="title"/>
@@ -8766,7 +8400,7 @@
             </a:pPr>
             <a:r>
               <a:rPr lang="pl"/>
-              <a:t>Czytelność strony</a:t>
+              <a:t>description</a:t>
             </a:r>
             <a:endParaRPr/>
           </a:p>
@@ -8774,7 +8408,7 @@
       </p:sp>
       <p:sp>
         <p:nvSpPr>
-          <p:cNvPr id="127" name="Google Shape;127;p24"/>
+          <p:cNvPr id="125" name="Google Shape;125;p24"/>
           <p:cNvSpPr txBox="1"/>
           <p:nvPr>
             <p:ph idx="1" type="body"/>
@@ -8800,55 +8434,29 @@
                 <a:spcPts val="0"/>
               </a:spcBef>
               <a:spcAft>
+                <a:spcPts val="0"/>
+              </a:spcAft>
+              <a:buNone/>
+            </a:pPr>
+            <a:r>
+              <a:rPr lang="pl"/>
+              <a:t>Dłuższy opis naszej strony. Powinien zawierać główne słowa dotyczące strony.</a:t>
+            </a:r>
+            <a:endParaRPr/>
+          </a:p>
+          <a:p>
+            <a:pPr indent="0" lvl="0" marL="0" rtl="0" algn="l">
+              <a:spcBef>
                 <a:spcPts val="1200"/>
+              </a:spcBef>
+              <a:spcAft>
+                <a:spcPts val="1200"/>
               </a:spcAft>
               <a:buNone/>
             </a:pPr>
             <a:r>
               <a:rPr lang="pl"/>
-              <a:t>Mówi wyszukiwarce że treść strony jest dobrze zorganizowana, czytelna.</a:t>
-            </a:r>
-            <a:br>
-              <a:rPr lang="pl"/>
-            </a:br>
-            <a:r>
-              <a:rPr lang="pl"/>
-              <a:t>Pomaga utrzymać zainteresowanie użytkownika i dzięki temu jest bardziej prawdopodobne że taki użytkownik wróci.</a:t>
-            </a:r>
-            <a:br>
-              <a:rPr lang="pl"/>
-            </a:br>
-            <a:r>
-              <a:rPr lang="pl"/>
-              <a:t>Tekst ma dobrą czytelność dzięki:</a:t>
-            </a:r>
-            <a:br>
-              <a:rPr lang="pl"/>
-            </a:br>
-            <a:r>
-              <a:rPr lang="pl"/>
-              <a:t>- dobrze dobranej wielkości czcionki (Google poleca 16px)</a:t>
-            </a:r>
-            <a:br>
-              <a:rPr lang="pl"/>
-            </a:br>
-            <a:r>
-              <a:rPr lang="pl"/>
-              <a:t>- dobrze dobrany kolor</a:t>
-            </a:r>
-            <a:br>
-              <a:rPr lang="pl"/>
-            </a:br>
-            <a:r>
-              <a:rPr lang="pl"/>
-              <a:t>- headerom &lt;h1&gt; … &lt;h6&gt; razem z paragrafami &lt;p&gt;</a:t>
-            </a:r>
-            <a:br>
-              <a:rPr lang="pl"/>
-            </a:br>
-            <a:r>
-              <a:rPr lang="pl"/>
-              <a:t>- oprócz tekstu ważne są zdjęcia, video, animacje</a:t>
+              <a:t>Description nie powinien przekraczać 156 słów.</a:t>
             </a:r>
             <a:endParaRPr/>
           </a:p>
@@ -8867,7 +8475,7 @@
   <p:cSld>
     <p:spTree>
       <p:nvGrpSpPr>
-        <p:cNvPr id="131" name="Shape 131"/>
+        <p:cNvPr id="129" name="Shape 129"/>
         <p:cNvGrpSpPr/>
         <p:nvPr/>
       </p:nvGrpSpPr>
@@ -8881,7 +8489,7 @@
       </p:grpSpPr>
       <p:sp>
         <p:nvSpPr>
-          <p:cNvPr id="132" name="Google Shape;132;p25"/>
+          <p:cNvPr id="130" name="Google Shape;130;p25"/>
           <p:cNvSpPr txBox="1"/>
           <p:nvPr>
             <p:ph type="title"/>
@@ -8913,7 +8521,7 @@
             </a:pPr>
             <a:r>
               <a:rPr lang="pl"/>
-              <a:t>title</a:t>
+              <a:t>url</a:t>
             </a:r>
             <a:endParaRPr/>
           </a:p>
@@ -8921,7 +8529,7 @@
       </p:sp>
       <p:sp>
         <p:nvSpPr>
-          <p:cNvPr id="133" name="Google Shape;133;p25"/>
+          <p:cNvPr id="131" name="Google Shape;131;p25"/>
           <p:cNvSpPr txBox="1"/>
           <p:nvPr>
             <p:ph idx="1" type="body"/>
@@ -8953,7 +8561,7 @@
             </a:pPr>
             <a:r>
               <a:rPr lang="pl"/>
-              <a:t>Tag &lt;title&gt; to ogromny czynnik wpływający na wyszukiwanie. Pomaga wyszukiwarce zrozumieć czym zajmuje się nasz strona.</a:t>
+              <a:t>url naszej strony powinien jasno opisywać o czym jest strona.</a:t>
             </a:r>
             <a:endParaRPr/>
           </a:p>
@@ -8969,7 +8577,7 @@
             </a:pPr>
             <a:r>
               <a:rPr lang="pl"/>
-              <a:t>Powinien zawierać najważniejsze słowa, które opisują Twoją stronę.</a:t>
+              <a:t>Powinien być łatwy do zrozumienia i mówić wyszukiwarce i ludziom do czego nasza strona jest przeznaczona.</a:t>
             </a:r>
             <a:endParaRPr/>
           </a:p>
@@ -8979,13 +8587,33 @@
                 <a:spcPts val="1200"/>
               </a:spcBef>
               <a:spcAft>
+                <a:spcPts val="0"/>
+              </a:spcAft>
+              <a:buNone/>
+            </a:pPr>
+            <a:r>
+              <a:rPr lang="pl"/>
+              <a:t>Długość urla nie powinna przekraczać 115 znaków. Im krótszy url tym lepiej.</a:t>
+            </a:r>
+            <a:endParaRPr/>
+          </a:p>
+          <a:p>
+            <a:pPr indent="0" lvl="0" marL="0" rtl="0" algn="l">
+              <a:spcBef>
                 <a:spcPts val="1200"/>
+              </a:spcBef>
+              <a:spcAft>
+                <a:spcPts val="1200"/>
               </a:spcAft>
               <a:buNone/>
             </a:pPr>
             <a:r>
               <a:rPr lang="pl"/>
-              <a:t>Powinien składać się od 50 do 60 znaków.</a:t>
+              <a:t>Np. powiedzmy że url naszej strony to https://blog-kulinarny-jasia.</a:t>
+            </a:r>
+            <a:r>
+              <a:rPr lang="pl"/>
+              <a:t>pl a artykuł o gotowaniu parówek ma url: https://blog-kulinarny-jasia.pl/4rerfg12pkncfd, gdzie 4rerfg12pkncfd to id posta o parówkach, to lepiej żeby url wyglądał tak: https://blog-kulinarny-jasia.pl/jak-gotowac-parowki</a:t>
             </a:r>
             <a:endParaRPr/>
           </a:p>
@@ -9004,7 +8632,7 @@
   <p:cSld>
     <p:spTree>
       <p:nvGrpSpPr>
-        <p:cNvPr id="137" name="Shape 137"/>
+        <p:cNvPr id="135" name="Shape 135"/>
         <p:cNvGrpSpPr/>
         <p:nvPr/>
       </p:nvGrpSpPr>
@@ -9018,7 +8646,7 @@
       </p:grpSpPr>
       <p:sp>
         <p:nvSpPr>
-          <p:cNvPr id="138" name="Google Shape;138;p26"/>
+          <p:cNvPr id="136" name="Google Shape;136;p26"/>
           <p:cNvSpPr txBox="1"/>
           <p:nvPr>
             <p:ph type="title"/>
@@ -9050,7 +8678,7 @@
             </a:pPr>
             <a:r>
               <a:rPr lang="pl"/>
-              <a:t>description</a:t>
+              <a:t>metags</a:t>
             </a:r>
             <a:endParaRPr/>
           </a:p>
@@ -9058,7 +8686,7 @@
       </p:sp>
       <p:sp>
         <p:nvSpPr>
-          <p:cNvPr id="139" name="Google Shape;139;p26"/>
+          <p:cNvPr id="137" name="Google Shape;137;p26"/>
           <p:cNvSpPr txBox="1"/>
           <p:nvPr>
             <p:ph idx="1" type="body"/>
@@ -9084,29 +8712,54 @@
                 <a:spcPts val="0"/>
               </a:spcBef>
               <a:spcAft>
-                <a:spcPts val="0"/>
+                <a:spcPts val="1200"/>
               </a:spcAft>
               <a:buNone/>
             </a:pPr>
             <a:r>
               <a:rPr lang="pl"/>
-              <a:t>Dłuższy opis naszej strony. Powinien zawierać główne słowa dotyczące strony.</a:t>
-            </a:r>
-            <a:endParaRPr/>
-          </a:p>
-          <a:p>
-            <a:pPr indent="0" lvl="0" marL="0" rtl="0" algn="l">
-              <a:spcBef>
-                <a:spcPts val="1200"/>
-              </a:spcBef>
-              <a:spcAft>
-                <a:spcPts val="1200"/>
-              </a:spcAft>
-              <a:buNone/>
-            </a:pPr>
-            <a:r>
-              <a:rPr lang="pl"/>
-              <a:t>Description nie powinien przekraczać 156 słów.</a:t>
+              <a:t>Powinniśmy dodać kilka nowych &lt;meta&gt; do naszego &lt;head&gt;:</a:t>
+            </a:r>
+            <a:br>
+              <a:rPr lang="pl"/>
+            </a:br>
+            <a:r>
+              <a:rPr lang="pl"/>
+              <a:t>1) META KEYWORDS - seria słów, które uznasz za istotne dla strony</a:t>
+            </a:r>
+            <a:br>
+              <a:rPr lang="pl"/>
+            </a:br>
+            <a:r>
+              <a:rPr lang="pl"/>
+              <a:t>2) META VIEWPORT - odpowiedzialny za responsywność strony</a:t>
+            </a:r>
+            <a:br>
+              <a:rPr lang="pl"/>
+            </a:br>
+            <a:r>
+              <a:rPr lang="pl"/>
+              <a:t>3) META CHARSET - definiuje charset naszej strony. (</a:t>
+            </a:r>
+            <a:r>
+              <a:rPr lang="pl" u="sng">
+                <a:solidFill>
+                  <a:schemeClr val="hlink"/>
+                </a:solidFill>
+                <a:hlinkClick r:id="rId3"/>
+              </a:rPr>
+              <a:t>https://developer.mozilla.org/en-US/docs/Glossary/Character_set</a:t>
+            </a:r>
+            <a:r>
+              <a:rPr lang="pl"/>
+              <a:t> )</a:t>
+            </a:r>
+            <a:br>
+              <a:rPr lang="pl"/>
+            </a:br>
+            <a:r>
+              <a:rPr lang="pl"/>
+              <a:t>4) META AUTHOR - opisuje autora strony</a:t>
             </a:r>
             <a:endParaRPr/>
           </a:p>
@@ -9125,7 +8778,7 @@
   <p:cSld>
     <p:spTree>
       <p:nvGrpSpPr>
-        <p:cNvPr id="143" name="Shape 143"/>
+        <p:cNvPr id="141" name="Shape 141"/>
         <p:cNvGrpSpPr/>
         <p:nvPr/>
       </p:nvGrpSpPr>
@@ -9139,7 +8792,7 @@
       </p:grpSpPr>
       <p:sp>
         <p:nvSpPr>
-          <p:cNvPr id="144" name="Google Shape;144;p27"/>
+          <p:cNvPr id="142" name="Google Shape;142;p27"/>
           <p:cNvSpPr txBox="1"/>
           <p:nvPr>
             <p:ph type="title"/>
@@ -9171,7 +8824,7 @@
             </a:pPr>
             <a:r>
               <a:rPr lang="pl"/>
-              <a:t>url</a:t>
+              <a:t>keywords</a:t>
             </a:r>
             <a:endParaRPr/>
           </a:p>
@@ -9179,7 +8832,7 @@
       </p:sp>
       <p:sp>
         <p:nvSpPr>
-          <p:cNvPr id="145" name="Google Shape;145;p27"/>
+          <p:cNvPr id="143" name="Google Shape;143;p27"/>
           <p:cNvSpPr txBox="1"/>
           <p:nvPr>
             <p:ph idx="1" type="body"/>
@@ -9211,59 +8864,41 @@
             </a:pPr>
             <a:r>
               <a:rPr lang="pl"/>
-              <a:t>url naszej strony powinien jasno opisywać o czym jest strona.</a:t>
+              <a:t>Najważniejsze słowa, które opisują twoją stronę powinny znajdować się:</a:t>
             </a:r>
             <a:endParaRPr/>
           </a:p>
           <a:p>
-            <a:pPr indent="0" lvl="0" marL="0" rtl="0" algn="l">
+            <a:pPr indent="-342900" lvl="0" marL="457200" rtl="0" algn="l">
               <a:spcBef>
                 <a:spcPts val="1200"/>
               </a:spcBef>
               <a:spcAft>
                 <a:spcPts val="0"/>
               </a:spcAft>
-              <a:buNone/>
+              <a:buSzPts val="1800"/>
+              <a:buChar char="-"/>
             </a:pPr>
             <a:r>
               <a:rPr lang="pl"/>
-              <a:t>Powinien być łatwy do zrozumienia i mówić wyszukiwarce i ludziom do czego nasza strona jest przeznaczona.</a:t>
+              <a:t>w &lt;title&gt; &lt;meta name=”description”&gt; &lt;meta name=”keywords”&gt;. Te informacje wyświetlą się w wynikach wyszukiwania.</a:t>
             </a:r>
             <a:endParaRPr/>
           </a:p>
           <a:p>
-            <a:pPr indent="0" lvl="0" marL="0" rtl="0" algn="l">
-              <a:spcBef>
-                <a:spcPts val="1200"/>
-              </a:spcBef>
-              <a:spcAft>
-                <a:spcPts val="0"/>
-              </a:spcAft>
-              <a:buNone/>
+            <a:pPr indent="-342900" lvl="0" marL="457200" rtl="0" algn="l">
+              <a:spcBef>
+                <a:spcPts val="0"/>
+              </a:spcBef>
+              <a:spcAft>
+                <a:spcPts val="0"/>
+              </a:spcAft>
+              <a:buSzPts val="1800"/>
+              <a:buChar char="-"/>
             </a:pPr>
             <a:r>
               <a:rPr lang="pl"/>
-              <a:t>Długość urla nie powinna przekraczać 115 znaków. Im krótszy url tym lepiej.</a:t>
-            </a:r>
-            <a:endParaRPr/>
-          </a:p>
-          <a:p>
-            <a:pPr indent="0" lvl="0" marL="0" rtl="0" algn="l">
-              <a:spcBef>
-                <a:spcPts val="1200"/>
-              </a:spcBef>
-              <a:spcAft>
-                <a:spcPts val="1200"/>
-              </a:spcAft>
-              <a:buNone/>
-            </a:pPr>
-            <a:r>
-              <a:rPr lang="pl"/>
-              <a:t>Np. powiedzmy że url naszej strony to https://blog-kulinarny-jasia.</a:t>
-            </a:r>
-            <a:r>
-              <a:rPr lang="pl"/>
-              <a:t>pl a artykuł o gotowaniu parówek ma url: https://blog-kulinarny-jasia.pl/4rerfg12pkncfd, gdzie 4rerfg12pkncfd to id posta o parówkach, to lepiej żeby url wyglądał tak: https://blog-kulinarny-jasia.pl/jak-gotowac-parowki</a:t>
+              <a:t>w headingach &lt;h1&gt; &lt;/h1&gt; … &lt;h6&gt;&lt;/h6&gt;. Daje to wyszukiwarce informację jak zorganizowana jest treść na twojej stronie.</a:t>
             </a:r>
             <a:endParaRPr/>
           </a:p>
@@ -9282,7 +8917,7 @@
   <p:cSld>
     <p:spTree>
       <p:nvGrpSpPr>
-        <p:cNvPr id="149" name="Shape 149"/>
+        <p:cNvPr id="147" name="Shape 147"/>
         <p:cNvGrpSpPr/>
         <p:nvPr/>
       </p:nvGrpSpPr>
@@ -9296,7 +8931,7 @@
       </p:grpSpPr>
       <p:sp>
         <p:nvSpPr>
-          <p:cNvPr id="150" name="Google Shape;150;p28"/>
+          <p:cNvPr id="148" name="Google Shape;148;p28"/>
           <p:cNvSpPr txBox="1"/>
           <p:nvPr>
             <p:ph type="title"/>
@@ -9328,7 +8963,7 @@
             </a:pPr>
             <a:r>
               <a:rPr lang="pl"/>
-              <a:t>metags</a:t>
+              <a:t>favicon</a:t>
             </a:r>
             <a:endParaRPr/>
           </a:p>
@@ -9336,7 +8971,7 @@
       </p:sp>
       <p:sp>
         <p:nvSpPr>
-          <p:cNvPr id="151" name="Google Shape;151;p28"/>
+          <p:cNvPr id="149" name="Google Shape;149;p28"/>
           <p:cNvSpPr txBox="1"/>
           <p:nvPr>
             <p:ph idx="1" type="body"/>
@@ -9362,34 +8997,76 @@
                 <a:spcPts val="0"/>
               </a:spcBef>
               <a:spcAft>
+                <a:spcPts val="0"/>
+              </a:spcAft>
+              <a:buNone/>
+            </a:pPr>
+            <a:r>
+              <a:rPr lang="pl"/>
+              <a:t>Ikonka pokazująca się w &lt;title&gt; strony, na zakładce przeglądarki.</a:t>
+            </a:r>
+            <a:endParaRPr/>
+          </a:p>
+          <a:p>
+            <a:pPr indent="0" lvl="0" marL="0" rtl="0" algn="l">
+              <a:spcBef>
                 <a:spcPts val="1200"/>
+              </a:spcBef>
+              <a:spcAft>
+                <a:spcPts val="0"/>
               </a:spcAft>
               <a:buNone/>
             </a:pPr>
             <a:r>
               <a:rPr lang="pl"/>
-              <a:t>Powinniśmy dodać kilka nowych &lt;meta&gt; do naszego &lt;head&gt;:</a:t>
-            </a:r>
-            <a:br>
-              <a:rPr lang="pl"/>
-            </a:br>
-            <a:r>
-              <a:rPr lang="pl"/>
-              <a:t>1) META KEYWORDS - seria słów, które uznasz za istotne dla strony</a:t>
-            </a:r>
-            <a:br>
-              <a:rPr lang="pl"/>
-            </a:br>
-            <a:r>
-              <a:rPr lang="pl"/>
-              <a:t>2) META VIEWPORT - odpowiedzialny za responsywność strony</a:t>
-            </a:r>
-            <a:br>
-              <a:rPr lang="pl"/>
-            </a:br>
-            <a:r>
-              <a:rPr lang="pl"/>
-              <a:t>3) META CHARSET - definiuje charset naszej strony. (</a:t>
+              <a:t>Głównym powodem posiadania tej ikonki, jest poprawienie user experience.</a:t>
+            </a:r>
+            <a:endParaRPr/>
+          </a:p>
+          <a:p>
+            <a:pPr indent="0" lvl="0" marL="0" rtl="0" algn="l">
+              <a:spcBef>
+                <a:spcPts val="1200"/>
+              </a:spcBef>
+              <a:spcAft>
+                <a:spcPts val="0"/>
+              </a:spcAft>
+              <a:buNone/>
+            </a:pPr>
+            <a:r>
+              <a:rPr lang="pl"/>
+              <a:t>Jest o wiele łatwiej w masie zakładek otwartych w przeglądarce, znaleźć naszą stronę.</a:t>
+            </a:r>
+            <a:endParaRPr/>
+          </a:p>
+          <a:p>
+            <a:pPr indent="0" lvl="0" marL="0" rtl="0" algn="l">
+              <a:spcBef>
+                <a:spcPts val="1200"/>
+              </a:spcBef>
+              <a:spcAft>
+                <a:spcPts val="0"/>
+              </a:spcAft>
+              <a:buNone/>
+            </a:pPr>
+            <a:r>
+              <a:t/>
+            </a:r>
+            <a:endParaRPr/>
+          </a:p>
+          <a:p>
+            <a:pPr indent="0" lvl="0" marL="0" rtl="0" algn="l">
+              <a:spcBef>
+                <a:spcPts val="1200"/>
+              </a:spcBef>
+              <a:spcAft>
+                <a:spcPts val="0"/>
+              </a:spcAft>
+              <a:buNone/>
+            </a:pPr>
+            <a:r>
+              <a:rPr lang="pl"/>
+              <a:t>Przykładowy favicon możemy wygenerować </a:t>
             </a:r>
             <a:r>
               <a:rPr lang="pl" u="sng">
@@ -9398,18 +9075,27 @@
                 </a:solidFill>
                 <a:hlinkClick r:id="rId3"/>
               </a:rPr>
-              <a:t>https://developer.mozilla.org/en-US/docs/Glossary/Character_set</a:t>
-            </a:r>
-            <a:r>
-              <a:rPr lang="pl"/>
-              <a:t> )</a:t>
-            </a:r>
-            <a:br>
-              <a:rPr lang="pl"/>
-            </a:br>
-            <a:r>
-              <a:rPr lang="pl"/>
-              <a:t>4) META AUTHOR - opisuje autora strony</a:t>
+              <a:t>https://realfavicongenerator.net/</a:t>
+            </a:r>
+            <a:r>
+              <a:rPr lang="pl"/>
+              <a:t> </a:t>
+            </a:r>
+            <a:endParaRPr/>
+          </a:p>
+          <a:p>
+            <a:pPr indent="0" lvl="0" marL="0" rtl="0" algn="l">
+              <a:spcBef>
+                <a:spcPts val="1200"/>
+              </a:spcBef>
+              <a:spcAft>
+                <a:spcPts val="1200"/>
+              </a:spcAft>
+              <a:buNone/>
+            </a:pPr>
+            <a:r>
+              <a:rPr lang="pl"/>
+              <a:t>Plik favicon.ico umieszczamy w głównym katalogu naszej strony.</a:t>
             </a:r>
             <a:endParaRPr/>
           </a:p>
@@ -9428,7 +9114,7 @@
   <p:cSld>
     <p:spTree>
       <p:nvGrpSpPr>
-        <p:cNvPr id="155" name="Shape 155"/>
+        <p:cNvPr id="153" name="Shape 153"/>
         <p:cNvGrpSpPr/>
         <p:nvPr/>
       </p:nvGrpSpPr>
@@ -9442,7 +9128,7 @@
       </p:grpSpPr>
       <p:sp>
         <p:nvSpPr>
-          <p:cNvPr id="156" name="Google Shape;156;p29"/>
+          <p:cNvPr id="154" name="Google Shape;154;p29"/>
           <p:cNvSpPr txBox="1"/>
           <p:nvPr>
             <p:ph type="title"/>
@@ -9474,7 +9160,7 @@
             </a:pPr>
             <a:r>
               <a:rPr lang="pl"/>
-              <a:t>keywords</a:t>
+              <a:t>attributes</a:t>
             </a:r>
             <a:endParaRPr/>
           </a:p>
@@ -9482,7 +9168,7 @@
       </p:sp>
       <p:sp>
         <p:nvSpPr>
-          <p:cNvPr id="157" name="Google Shape;157;p29"/>
+          <p:cNvPr id="155" name="Google Shape;155;p29"/>
           <p:cNvSpPr txBox="1"/>
           <p:nvPr>
             <p:ph idx="1" type="body"/>
@@ -9514,41 +9200,23 @@
             </a:pPr>
             <a:r>
               <a:rPr lang="pl"/>
-              <a:t>Najważniejsze słowa, które opisują twoją stronę powinny znajdować się:</a:t>
+              <a:t>Atrybut alt pomaga botom (crawlers) zrozumieć co pokazuje zdjęcie. Można w nim zawrzeć ważne słowa kluczowe. Pomaga też osobom z niepełnosprawnościami zrozumieć obrazy, wykresy czy dźwięki.</a:t>
             </a:r>
             <a:endParaRPr/>
           </a:p>
           <a:p>
-            <a:pPr indent="-342900" lvl="0" marL="457200" rtl="0" algn="l">
+            <a:pPr indent="0" lvl="0" marL="0" rtl="0" algn="l">
               <a:spcBef>
                 <a:spcPts val="1200"/>
               </a:spcBef>
               <a:spcAft>
-                <a:spcPts val="0"/>
-              </a:spcAft>
-              <a:buSzPts val="1800"/>
-              <a:buChar char="-"/>
+                <a:spcPts val="1200"/>
+              </a:spcAft>
+              <a:buNone/>
             </a:pPr>
             <a:r>
               <a:rPr lang="pl"/>
-              <a:t>w &lt;title&gt; &lt;meta name=”description”&gt; &lt;meta name=”keywords”&gt;. Te informacje wyświetlą się w wynikach wyszukiwania.</a:t>
-            </a:r>
-            <a:endParaRPr/>
-          </a:p>
-          <a:p>
-            <a:pPr indent="-342900" lvl="0" marL="457200" rtl="0" algn="l">
-              <a:spcBef>
-                <a:spcPts val="0"/>
-              </a:spcBef>
-              <a:spcAft>
-                <a:spcPts val="0"/>
-              </a:spcAft>
-              <a:buSzPts val="1800"/>
-              <a:buChar char="-"/>
-            </a:pPr>
-            <a:r>
-              <a:rPr lang="pl"/>
-              <a:t>w headingach &lt;h1&gt; &lt;/h1&gt; … &lt;h6&gt;&lt;/h6&gt;. Daje to wyszukiwarce informację jak zorganizowana jest treść na twojej stronie.</a:t>
+              <a:t>Atrybut title w linku, opisuje dokąd link prowadzi. Crawlers używają linków do wyszukiwania stron. Dobrze opisane linki wpływają na ranking strony w wyszukiwaniu.</a:t>
             </a:r>
             <a:endParaRPr/>
           </a:p>
@@ -9567,7 +9235,7 @@
   <p:cSld>
     <p:spTree>
       <p:nvGrpSpPr>
-        <p:cNvPr id="161" name="Shape 161"/>
+        <p:cNvPr id="159" name="Shape 159"/>
         <p:cNvGrpSpPr/>
         <p:nvPr/>
       </p:nvGrpSpPr>
@@ -9581,7 +9249,7 @@
       </p:grpSpPr>
       <p:sp>
         <p:nvSpPr>
-          <p:cNvPr id="162" name="Google Shape;162;p30"/>
+          <p:cNvPr id="160" name="Google Shape;160;p30"/>
           <p:cNvSpPr txBox="1"/>
           <p:nvPr>
             <p:ph type="title"/>
@@ -9613,7 +9281,7 @@
             </a:pPr>
             <a:r>
               <a:rPr lang="pl"/>
-              <a:t>favicon</a:t>
+              <a:t>mobile</a:t>
             </a:r>
             <a:endParaRPr/>
           </a:p>
@@ -9621,7 +9289,7 @@
       </p:sp>
       <p:sp>
         <p:nvSpPr>
-          <p:cNvPr id="163" name="Google Shape;163;p30"/>
+          <p:cNvPr id="161" name="Google Shape;161;p30"/>
           <p:cNvSpPr txBox="1"/>
           <p:nvPr>
             <p:ph idx="1" type="body"/>
@@ -9629,8 +9297,8 @@
         </p:nvSpPr>
         <p:spPr>
           <a:xfrm>
-            <a:off x="311700" y="1152475"/>
-            <a:ext cx="8520600" cy="3416400"/>
+            <a:off x="311700" y="1159875"/>
+            <a:ext cx="8520600" cy="3746700"/>
           </a:xfrm>
           <a:prstGeom prst="rect">
             <a:avLst/>
@@ -9638,7 +9306,7 @@
         </p:spPr>
         <p:txBody>
           <a:bodyPr anchorCtr="0" anchor="t" bIns="91425" lIns="91425" spcFirstLastPara="1" rIns="91425" wrap="square" tIns="91425">
-            <a:normAutofit/>
+            <a:normAutofit lnSpcReduction="10000"/>
           </a:bodyPr>
           <a:lstStyle/>
           <a:p>
@@ -9653,7 +9321,7 @@
             </a:pPr>
             <a:r>
               <a:rPr lang="pl"/>
-              <a:t>Ikonka pokazująca się w &lt;title&gt; strony, na zakładce przeglądarki.</a:t>
+              <a:t>Responsywność strony bardzo pomaga w pozycjonowaniu strony w wyszukiwarkach.</a:t>
             </a:r>
             <a:endParaRPr/>
           </a:p>
@@ -9668,8 +9336,7 @@
               <a:buNone/>
             </a:pPr>
             <a:r>
-              <a:rPr lang="pl"/>
-              <a:t>Głównym powodem posiadania tej ikonki, jest poprawienie user experience.</a:t>
+              <a:t/>
             </a:r>
             <a:endParaRPr/>
           </a:p>
@@ -9685,7 +9352,7 @@
             </a:pPr>
             <a:r>
               <a:rPr lang="pl"/>
-              <a:t>Jest o wiele łatwiej w masie zakładek otwartych w przeglądarce, znaleźć naszą stronę.</a:t>
+              <a:t>Warto pisać strony techniką mobile-first. W dzisiejszych czasach większość użytkowników otwiera strony na swoich telefonach komórkowych.</a:t>
             </a:r>
             <a:endParaRPr/>
           </a:p>
@@ -9716,8 +9383,35 @@
             </a:pPr>
             <a:r>
               <a:rPr lang="pl"/>
-              <a:t>Przykładowy favicon możemy wygenerować </a:t>
-            </a:r>
+              <a:t>Google wprowadził mobile-first indexing. Zbieranie stron i zapisywanie ich do bazy danych, zaczyna się od sprawdzania wersji mobilnych.</a:t>
+            </a:r>
+            <a:endParaRPr/>
+          </a:p>
+          <a:p>
+            <a:pPr indent="0" lvl="0" marL="0" rtl="0" algn="l">
+              <a:spcBef>
+                <a:spcPts val="1200"/>
+              </a:spcBef>
+              <a:spcAft>
+                <a:spcPts val="0"/>
+              </a:spcAft>
+              <a:buNone/>
+            </a:pPr>
+            <a:r>
+              <a:t/>
+            </a:r>
+            <a:endParaRPr/>
+          </a:p>
+          <a:p>
+            <a:pPr indent="0" lvl="0" marL="0" rtl="0" algn="l">
+              <a:spcBef>
+                <a:spcPts val="1200"/>
+              </a:spcBef>
+              <a:spcAft>
+                <a:spcPts val="1200"/>
+              </a:spcAft>
+              <a:buNone/>
+            </a:pPr>
             <a:r>
               <a:rPr lang="pl" u="sng">
                 <a:solidFill>
@@ -9725,27 +9419,11 @@
                 </a:solidFill>
                 <a:hlinkClick r:id="rId3"/>
               </a:rPr>
-              <a:t>https://realfavicongenerator.net/</a:t>
+              <a:t>https://search.google.com/test/mobile-friendly</a:t>
             </a:r>
             <a:r>
               <a:rPr lang="pl"/>
               <a:t> </a:t>
-            </a:r>
-            <a:endParaRPr/>
-          </a:p>
-          <a:p>
-            <a:pPr indent="0" lvl="0" marL="0" rtl="0" algn="l">
-              <a:spcBef>
-                <a:spcPts val="1200"/>
-              </a:spcBef>
-              <a:spcAft>
-                <a:spcPts val="1200"/>
-              </a:spcAft>
-              <a:buNone/>
-            </a:pPr>
-            <a:r>
-              <a:rPr lang="pl"/>
-              <a:t>Plik favicon.ico umieszczamy w głównym katalogu naszej strony.</a:t>
             </a:r>
             <a:endParaRPr/>
           </a:p>
@@ -9764,7 +9442,7 @@
   <p:cSld>
     <p:spTree>
       <p:nvGrpSpPr>
-        <p:cNvPr id="167" name="Shape 167"/>
+        <p:cNvPr id="165" name="Shape 165"/>
         <p:cNvGrpSpPr/>
         <p:nvPr/>
       </p:nvGrpSpPr>
@@ -9778,7 +9456,7 @@
       </p:grpSpPr>
       <p:sp>
         <p:nvSpPr>
-          <p:cNvPr id="168" name="Google Shape;168;p31"/>
+          <p:cNvPr id="166" name="Google Shape;166;p31"/>
           <p:cNvSpPr txBox="1"/>
           <p:nvPr>
             <p:ph type="title"/>
@@ -9810,7 +9488,7 @@
             </a:pPr>
             <a:r>
               <a:rPr lang="pl"/>
-              <a:t>attributes</a:t>
+              <a:t>Dobra semantyka</a:t>
             </a:r>
             <a:endParaRPr/>
           </a:p>
@@ -9818,7 +9496,7 @@
       </p:sp>
       <p:sp>
         <p:nvSpPr>
-          <p:cNvPr id="169" name="Google Shape;169;p31"/>
+          <p:cNvPr id="167" name="Google Shape;167;p31"/>
           <p:cNvSpPr txBox="1"/>
           <p:nvPr>
             <p:ph idx="1" type="body"/>
@@ -9827,7 +9505,7 @@
         <p:spPr>
           <a:xfrm>
             <a:off x="311700" y="1152475"/>
-            <a:ext cx="8520600" cy="3416400"/>
+            <a:ext cx="4260300" cy="3416400"/>
           </a:xfrm>
           <a:prstGeom prst="rect">
             <a:avLst/>
@@ -9839,39 +9517,137 @@
           </a:bodyPr>
           <a:lstStyle/>
           <a:p>
-            <a:pPr indent="0" lvl="0" marL="0" rtl="0" algn="l">
-              <a:spcBef>
-                <a:spcPts val="0"/>
-              </a:spcBef>
-              <a:spcAft>
-                <a:spcPts val="0"/>
-              </a:spcAft>
-              <a:buNone/>
+            <a:pPr indent="-342900" lvl="0" marL="457200" rtl="0" algn="l">
+              <a:spcBef>
+                <a:spcPts val="0"/>
+              </a:spcBef>
+              <a:spcAft>
+                <a:spcPts val="0"/>
+              </a:spcAft>
+              <a:buSzPts val="1800"/>
+              <a:buChar char="-"/>
             </a:pPr>
             <a:r>
               <a:rPr lang="pl"/>
-              <a:t>Atrybut alt pomaga botom (crawlers) zrozumieć co pokazuje zdjęcie. Można w nim zawrzeć ważne słowa kluczowe. Pomaga też osobom z niepełnosprawnościami zrozumieć obrazy, wykresy czy dźwięki.</a:t>
+              <a:t>waga elementów</a:t>
             </a:r>
             <a:endParaRPr/>
           </a:p>
           <a:p>
-            <a:pPr indent="0" lvl="0" marL="0" rtl="0" algn="l">
-              <a:spcBef>
-                <a:spcPts val="1200"/>
-              </a:spcBef>
-              <a:spcAft>
-                <a:spcPts val="1200"/>
-              </a:spcAft>
-              <a:buNone/>
+            <a:pPr indent="-342900" lvl="0" marL="457200" rtl="0" algn="l">
+              <a:spcBef>
+                <a:spcPts val="0"/>
+              </a:spcBef>
+              <a:spcAft>
+                <a:spcPts val="0"/>
+              </a:spcAft>
+              <a:buSzPts val="1800"/>
+              <a:buChar char="-"/>
             </a:pPr>
             <a:r>
               <a:rPr lang="pl"/>
-              <a:t>Atrybut title w linku, opisuje dokąd link prowadzi. Crawlers używają linków do wyszukiwania stron. Dobrze opisane linki wpływają na ranking strony w wyszukiwaniu.</a:t>
+              <a:t>nagłówki &lt;h1&gt; … &lt;h6&gt;</a:t>
+            </a:r>
+            <a:endParaRPr/>
+          </a:p>
+          <a:p>
+            <a:pPr indent="-342900" lvl="0" marL="457200" rtl="0" algn="l">
+              <a:spcBef>
+                <a:spcPts val="0"/>
+              </a:spcBef>
+              <a:spcAft>
+                <a:spcPts val="0"/>
+              </a:spcAft>
+              <a:buSzPts val="1800"/>
+              <a:buChar char="-"/>
+            </a:pPr>
+            <a:r>
+              <a:rPr lang="pl"/>
+              <a:t>struktura dokumentu, tagi semantyczne</a:t>
+            </a:r>
+            <a:endParaRPr/>
+          </a:p>
+          <a:p>
+            <a:pPr indent="-342900" lvl="0" marL="457200" rtl="0" algn="l">
+              <a:spcBef>
+                <a:spcPts val="0"/>
+              </a:spcBef>
+              <a:spcAft>
+                <a:spcPts val="0"/>
+              </a:spcAft>
+              <a:buSzPts val="1800"/>
+              <a:buChar char="-"/>
+            </a:pPr>
+            <a:r>
+              <a:rPr lang="pl"/>
+              <a:t>znaczenie elementów tekstowych &lt;strong&gt; &lt;em&gt; &lt;mark&gt; &lt;cite&gt; &lt;blockquote&gt; &lt;q&gt; &lt;time&gt;</a:t>
+            </a:r>
+            <a:endParaRPr/>
+          </a:p>
+          <a:p>
+            <a:pPr indent="-342900" lvl="0" marL="457200" rtl="0" algn="l">
+              <a:spcBef>
+                <a:spcPts val="0"/>
+              </a:spcBef>
+              <a:spcAft>
+                <a:spcPts val="0"/>
+              </a:spcAft>
+              <a:buSzPts val="1800"/>
+              <a:buChar char="-"/>
+            </a:pPr>
+            <a:r>
+              <a:rPr lang="pl"/>
+              <a:t>różne media &lt;video&gt;  &lt;audio&gt; </a:t>
+            </a:r>
+            <a:endParaRPr/>
+          </a:p>
+          <a:p>
+            <a:pPr indent="-342900" lvl="0" marL="457200" rtl="0" algn="l">
+              <a:spcBef>
+                <a:spcPts val="0"/>
+              </a:spcBef>
+              <a:spcAft>
+                <a:spcPts val="0"/>
+              </a:spcAft>
+              <a:buSzPts val="1800"/>
+              <a:buChar char="-"/>
+            </a:pPr>
+            <a:r>
+              <a:rPr lang="pl"/>
+              <a:t>correlation tags</a:t>
             </a:r>
             <a:endParaRPr/>
           </a:p>
         </p:txBody>
       </p:sp>
+      <p:pic>
+        <p:nvPicPr>
+          <p:cNvPr id="168" name="Google Shape;168;p31"/>
+          <p:cNvPicPr preferRelativeResize="0"/>
+          <p:nvPr/>
+        </p:nvPicPr>
+        <p:blipFill>
+          <a:blip r:embed="rId3">
+            <a:alphaModFix/>
+          </a:blip>
+          <a:stretch>
+            <a:fillRect/>
+          </a:stretch>
+        </p:blipFill>
+        <p:spPr>
+          <a:xfrm>
+            <a:off x="4643000" y="798600"/>
+            <a:ext cx="4242595" cy="3770274"/>
+          </a:xfrm>
+          <a:prstGeom prst="rect">
+            <a:avLst/>
+          </a:prstGeom>
+          <a:noFill/>
+          <a:ln>
+            <a:noFill/>
+          </a:ln>
+        </p:spPr>
+      </p:pic>
     </p:spTree>
   </p:cSld>
   <p:clrMapOvr>
@@ -10021,421 +9797,6 @@
               <a:t>Better SEO = More visitors to your site :)</a:t>
             </a:r>
             <a:endParaRPr b="1"/>
-          </a:p>
-        </p:txBody>
-      </p:sp>
-    </p:spTree>
-  </p:cSld>
-  <p:clrMapOvr>
-    <a:masterClrMapping/>
-  </p:clrMapOvr>
-</p:sld>
-</file>
-
-<file path=ppt/slides/slide20.xml><?xml version="1.0" encoding="utf-8"?>
-<p:sld xmlns:a="http://schemas.openxmlformats.org/drawingml/2006/main" xmlns:r="http://schemas.openxmlformats.org/officeDocument/2006/relationships" xmlns:mc="http://schemas.openxmlformats.org/markup-compatibility/2006" xmlns:mv="urn:schemas-microsoft-com:mac:vml" xmlns:p="http://schemas.openxmlformats.org/presentationml/2006/main" xmlns:c="http://schemas.openxmlformats.org/drawingml/2006/chart" xmlns:dgm="http://schemas.openxmlformats.org/drawingml/2006/diagram" xmlns:o="urn:schemas-microsoft-com:office:office" xmlns:v="urn:schemas-microsoft-com:vml" xmlns:pvml="urn:schemas-microsoft-com:office:powerpoint" xmlns:com="http://schemas.openxmlformats.org/drawingml/2006/compatibility" xmlns:p14="http://schemas.microsoft.com/office/powerpoint/2010/main" xmlns:p15="http://schemas.microsoft.com/office/powerpoint/2012/main" xmlns:ahyp="http://schemas.microsoft.com/office/drawing/2018/hyperlinkcolor">
-  <p:cSld>
-    <p:spTree>
-      <p:nvGrpSpPr>
-        <p:cNvPr id="173" name="Shape 173"/>
-        <p:cNvGrpSpPr/>
-        <p:nvPr/>
-      </p:nvGrpSpPr>
-      <p:grpSpPr>
-        <a:xfrm>
-          <a:off x="0" y="0"/>
-          <a:ext cx="0" cy="0"/>
-          <a:chOff x="0" y="0"/>
-          <a:chExt cx="0" cy="0"/>
-        </a:xfrm>
-      </p:grpSpPr>
-      <p:sp>
-        <p:nvSpPr>
-          <p:cNvPr id="174" name="Google Shape;174;p32"/>
-          <p:cNvSpPr txBox="1"/>
-          <p:nvPr>
-            <p:ph type="title"/>
-          </p:nvPr>
-        </p:nvSpPr>
-        <p:spPr>
-          <a:xfrm>
-            <a:off x="311700" y="445025"/>
-            <a:ext cx="8520600" cy="623400"/>
-          </a:xfrm>
-          <a:prstGeom prst="rect">
-            <a:avLst/>
-          </a:prstGeom>
-        </p:spPr>
-        <p:txBody>
-          <a:bodyPr anchorCtr="0" anchor="t" bIns="91425" lIns="91425" spcFirstLastPara="1" rIns="91425" wrap="square" tIns="91425">
-            <a:normAutofit fontScale="90000"/>
-          </a:bodyPr>
-          <a:lstStyle/>
-          <a:p>
-            <a:pPr indent="0" lvl="0" marL="0" rtl="0" algn="l">
-              <a:spcBef>
-                <a:spcPts val="0"/>
-              </a:spcBef>
-              <a:spcAft>
-                <a:spcPts val="0"/>
-              </a:spcAft>
-              <a:buNone/>
-            </a:pPr>
-            <a:r>
-              <a:rPr lang="pl"/>
-              <a:t>mobile</a:t>
-            </a:r>
-            <a:endParaRPr/>
-          </a:p>
-        </p:txBody>
-      </p:sp>
-      <p:sp>
-        <p:nvSpPr>
-          <p:cNvPr id="175" name="Google Shape;175;p32"/>
-          <p:cNvSpPr txBox="1"/>
-          <p:nvPr>
-            <p:ph idx="1" type="body"/>
-          </p:nvPr>
-        </p:nvSpPr>
-        <p:spPr>
-          <a:xfrm>
-            <a:off x="311700" y="1159875"/>
-            <a:ext cx="8520600" cy="3746700"/>
-          </a:xfrm>
-          <a:prstGeom prst="rect">
-            <a:avLst/>
-          </a:prstGeom>
-        </p:spPr>
-        <p:txBody>
-          <a:bodyPr anchorCtr="0" anchor="t" bIns="91425" lIns="91425" spcFirstLastPara="1" rIns="91425" wrap="square" tIns="91425">
-            <a:normAutofit lnSpcReduction="10000"/>
-          </a:bodyPr>
-          <a:lstStyle/>
-          <a:p>
-            <a:pPr indent="0" lvl="0" marL="0" rtl="0" algn="l">
-              <a:spcBef>
-                <a:spcPts val="0"/>
-              </a:spcBef>
-              <a:spcAft>
-                <a:spcPts val="0"/>
-              </a:spcAft>
-              <a:buNone/>
-            </a:pPr>
-            <a:r>
-              <a:rPr lang="pl"/>
-              <a:t>Responsywność strony bardzo pomaga w pozycjonowaniu strony w wyszukiwarkach.</a:t>
-            </a:r>
-            <a:endParaRPr/>
-          </a:p>
-          <a:p>
-            <a:pPr indent="0" lvl="0" marL="0" rtl="0" algn="l">
-              <a:spcBef>
-                <a:spcPts val="1200"/>
-              </a:spcBef>
-              <a:spcAft>
-                <a:spcPts val="0"/>
-              </a:spcAft>
-              <a:buNone/>
-            </a:pPr>
-            <a:r>
-              <a:t/>
-            </a:r>
-            <a:endParaRPr/>
-          </a:p>
-          <a:p>
-            <a:pPr indent="0" lvl="0" marL="0" rtl="0" algn="l">
-              <a:spcBef>
-                <a:spcPts val="1200"/>
-              </a:spcBef>
-              <a:spcAft>
-                <a:spcPts val="0"/>
-              </a:spcAft>
-              <a:buNone/>
-            </a:pPr>
-            <a:r>
-              <a:rPr lang="pl"/>
-              <a:t>Warto pisać strony techniką mobile-first. W dzisiejszych czasach większość użytkowników otwiera strony na swoich telefonach komórkowych.</a:t>
-            </a:r>
-            <a:endParaRPr/>
-          </a:p>
-          <a:p>
-            <a:pPr indent="0" lvl="0" marL="0" rtl="0" algn="l">
-              <a:spcBef>
-                <a:spcPts val="1200"/>
-              </a:spcBef>
-              <a:spcAft>
-                <a:spcPts val="0"/>
-              </a:spcAft>
-              <a:buNone/>
-            </a:pPr>
-            <a:r>
-              <a:t/>
-            </a:r>
-            <a:endParaRPr/>
-          </a:p>
-          <a:p>
-            <a:pPr indent="0" lvl="0" marL="0" rtl="0" algn="l">
-              <a:spcBef>
-                <a:spcPts val="1200"/>
-              </a:spcBef>
-              <a:spcAft>
-                <a:spcPts val="0"/>
-              </a:spcAft>
-              <a:buNone/>
-            </a:pPr>
-            <a:r>
-              <a:rPr lang="pl"/>
-              <a:t>Google wprowadził mobile-first indexing. Zbieranie stron i zapisywanie ich do bazy danych, zaczyna się od sprawdzania wersji mobilnych.</a:t>
-            </a:r>
-            <a:endParaRPr/>
-          </a:p>
-          <a:p>
-            <a:pPr indent="0" lvl="0" marL="0" rtl="0" algn="l">
-              <a:spcBef>
-                <a:spcPts val="1200"/>
-              </a:spcBef>
-              <a:spcAft>
-                <a:spcPts val="0"/>
-              </a:spcAft>
-              <a:buNone/>
-            </a:pPr>
-            <a:r>
-              <a:t/>
-            </a:r>
-            <a:endParaRPr/>
-          </a:p>
-          <a:p>
-            <a:pPr indent="0" lvl="0" marL="0" rtl="0" algn="l">
-              <a:spcBef>
-                <a:spcPts val="1200"/>
-              </a:spcBef>
-              <a:spcAft>
-                <a:spcPts val="1200"/>
-              </a:spcAft>
-              <a:buNone/>
-            </a:pPr>
-            <a:r>
-              <a:rPr lang="pl" u="sng">
-                <a:solidFill>
-                  <a:schemeClr val="hlink"/>
-                </a:solidFill>
-                <a:hlinkClick r:id="rId3"/>
-              </a:rPr>
-              <a:t>https://search.google.com/test/mobile-friendly</a:t>
-            </a:r>
-            <a:r>
-              <a:rPr lang="pl"/>
-              <a:t> </a:t>
-            </a:r>
-            <a:endParaRPr/>
-          </a:p>
-        </p:txBody>
-      </p:sp>
-    </p:spTree>
-  </p:cSld>
-  <p:clrMapOvr>
-    <a:masterClrMapping/>
-  </p:clrMapOvr>
-</p:sld>
-</file>
-
-<file path=ppt/slides/slide21.xml><?xml version="1.0" encoding="utf-8"?>
-<p:sld xmlns:a="http://schemas.openxmlformats.org/drawingml/2006/main" xmlns:r="http://schemas.openxmlformats.org/officeDocument/2006/relationships" xmlns:mc="http://schemas.openxmlformats.org/markup-compatibility/2006" xmlns:mv="urn:schemas-microsoft-com:mac:vml" xmlns:p="http://schemas.openxmlformats.org/presentationml/2006/main" xmlns:c="http://schemas.openxmlformats.org/drawingml/2006/chart" xmlns:dgm="http://schemas.openxmlformats.org/drawingml/2006/diagram" xmlns:o="urn:schemas-microsoft-com:office:office" xmlns:v="urn:schemas-microsoft-com:vml" xmlns:pvml="urn:schemas-microsoft-com:office:powerpoint" xmlns:com="http://schemas.openxmlformats.org/drawingml/2006/compatibility" xmlns:p14="http://schemas.microsoft.com/office/powerpoint/2010/main" xmlns:p15="http://schemas.microsoft.com/office/powerpoint/2012/main" xmlns:ahyp="http://schemas.microsoft.com/office/drawing/2018/hyperlinkcolor">
-  <p:cSld>
-    <p:spTree>
-      <p:nvGrpSpPr>
-        <p:cNvPr id="179" name="Shape 179"/>
-        <p:cNvGrpSpPr/>
-        <p:nvPr/>
-      </p:nvGrpSpPr>
-      <p:grpSpPr>
-        <a:xfrm>
-          <a:off x="0" y="0"/>
-          <a:ext cx="0" cy="0"/>
-          <a:chOff x="0" y="0"/>
-          <a:chExt cx="0" cy="0"/>
-        </a:xfrm>
-      </p:grpSpPr>
-      <p:sp>
-        <p:nvSpPr>
-          <p:cNvPr id="180" name="Google Shape;180;p33"/>
-          <p:cNvSpPr txBox="1"/>
-          <p:nvPr>
-            <p:ph type="title"/>
-          </p:nvPr>
-        </p:nvSpPr>
-        <p:spPr>
-          <a:xfrm>
-            <a:off x="311700" y="445025"/>
-            <a:ext cx="8520600" cy="623400"/>
-          </a:xfrm>
-          <a:prstGeom prst="rect">
-            <a:avLst/>
-          </a:prstGeom>
-        </p:spPr>
-        <p:txBody>
-          <a:bodyPr anchorCtr="0" anchor="t" bIns="91425" lIns="91425" spcFirstLastPara="1" rIns="91425" wrap="square" tIns="91425">
-            <a:normAutofit fontScale="90000"/>
-          </a:bodyPr>
-          <a:lstStyle/>
-          <a:p>
-            <a:pPr indent="0" lvl="0" marL="0" rtl="0" algn="l">
-              <a:spcBef>
-                <a:spcPts val="0"/>
-              </a:spcBef>
-              <a:spcAft>
-                <a:spcPts val="0"/>
-              </a:spcAft>
-              <a:buNone/>
-            </a:pPr>
-            <a:r>
-              <a:rPr lang="pl"/>
-              <a:t>featured snippets</a:t>
-            </a:r>
-            <a:endParaRPr/>
-          </a:p>
-        </p:txBody>
-      </p:sp>
-      <p:sp>
-        <p:nvSpPr>
-          <p:cNvPr id="181" name="Google Shape;181;p33"/>
-          <p:cNvSpPr txBox="1"/>
-          <p:nvPr>
-            <p:ph idx="1" type="body"/>
-          </p:nvPr>
-        </p:nvSpPr>
-        <p:spPr>
-          <a:xfrm>
-            <a:off x="311700" y="1152475"/>
-            <a:ext cx="8520600" cy="3416400"/>
-          </a:xfrm>
-          <a:prstGeom prst="rect">
-            <a:avLst/>
-          </a:prstGeom>
-        </p:spPr>
-        <p:txBody>
-          <a:bodyPr anchorCtr="0" anchor="t" bIns="91425" lIns="91425" spcFirstLastPara="1" rIns="91425" wrap="square" tIns="91425">
-            <a:normAutofit/>
-          </a:bodyPr>
-          <a:lstStyle/>
-          <a:p>
-            <a:pPr indent="0" lvl="0" marL="0" rtl="0" algn="l">
-              <a:spcBef>
-                <a:spcPts val="0"/>
-              </a:spcBef>
-              <a:spcAft>
-                <a:spcPts val="1200"/>
-              </a:spcAft>
-              <a:buNone/>
-            </a:pPr>
-            <a:r>
-              <a:t/>
-            </a:r>
-            <a:endParaRPr/>
-          </a:p>
-        </p:txBody>
-      </p:sp>
-    </p:spTree>
-  </p:cSld>
-  <p:clrMapOvr>
-    <a:masterClrMapping/>
-  </p:clrMapOvr>
-</p:sld>
-</file>
-
-<file path=ppt/slides/slide22.xml><?xml version="1.0" encoding="utf-8"?>
-<p:sld xmlns:a="http://schemas.openxmlformats.org/drawingml/2006/main" xmlns:r="http://schemas.openxmlformats.org/officeDocument/2006/relationships" xmlns:mc="http://schemas.openxmlformats.org/markup-compatibility/2006" xmlns:mv="urn:schemas-microsoft-com:mac:vml" xmlns:p="http://schemas.openxmlformats.org/presentationml/2006/main" xmlns:c="http://schemas.openxmlformats.org/drawingml/2006/chart" xmlns:dgm="http://schemas.openxmlformats.org/drawingml/2006/diagram" xmlns:o="urn:schemas-microsoft-com:office:office" xmlns:v="urn:schemas-microsoft-com:vml" xmlns:pvml="urn:schemas-microsoft-com:office:powerpoint" xmlns:com="http://schemas.openxmlformats.org/drawingml/2006/compatibility" xmlns:p14="http://schemas.microsoft.com/office/powerpoint/2010/main" xmlns:p15="http://schemas.microsoft.com/office/powerpoint/2012/main" xmlns:ahyp="http://schemas.microsoft.com/office/drawing/2018/hyperlinkcolor">
-  <p:cSld>
-    <p:spTree>
-      <p:nvGrpSpPr>
-        <p:cNvPr id="185" name="Shape 185"/>
-        <p:cNvGrpSpPr/>
-        <p:nvPr/>
-      </p:nvGrpSpPr>
-      <p:grpSpPr>
-        <a:xfrm>
-          <a:off x="0" y="0"/>
-          <a:ext cx="0" cy="0"/>
-          <a:chOff x="0" y="0"/>
-          <a:chExt cx="0" cy="0"/>
-        </a:xfrm>
-      </p:grpSpPr>
-      <p:sp>
-        <p:nvSpPr>
-          <p:cNvPr id="186" name="Google Shape;186;p34"/>
-          <p:cNvSpPr txBox="1"/>
-          <p:nvPr>
-            <p:ph type="title"/>
-          </p:nvPr>
-        </p:nvSpPr>
-        <p:spPr>
-          <a:xfrm>
-            <a:off x="311700" y="445025"/>
-            <a:ext cx="8520600" cy="623400"/>
-          </a:xfrm>
-          <a:prstGeom prst="rect">
-            <a:avLst/>
-          </a:prstGeom>
-        </p:spPr>
-        <p:txBody>
-          <a:bodyPr anchorCtr="0" anchor="t" bIns="91425" lIns="91425" spcFirstLastPara="1" rIns="91425" wrap="square" tIns="91425">
-            <a:normAutofit fontScale="90000"/>
-          </a:bodyPr>
-          <a:lstStyle/>
-          <a:p>
-            <a:pPr indent="0" lvl="0" marL="0" rtl="0" algn="l">
-              <a:spcBef>
-                <a:spcPts val="0"/>
-              </a:spcBef>
-              <a:spcAft>
-                <a:spcPts val="0"/>
-              </a:spcAft>
-              <a:buNone/>
-            </a:pPr>
-            <a:r>
-              <a:rPr lang="pl"/>
-              <a:t>schema markups</a:t>
-            </a:r>
-            <a:endParaRPr/>
-          </a:p>
-        </p:txBody>
-      </p:sp>
-      <p:sp>
-        <p:nvSpPr>
-          <p:cNvPr id="187" name="Google Shape;187;p34"/>
-          <p:cNvSpPr txBox="1"/>
-          <p:nvPr>
-            <p:ph idx="1" type="body"/>
-          </p:nvPr>
-        </p:nvSpPr>
-        <p:spPr>
-          <a:xfrm>
-            <a:off x="311700" y="1152475"/>
-            <a:ext cx="8520600" cy="3416400"/>
-          </a:xfrm>
-          <a:prstGeom prst="rect">
-            <a:avLst/>
-          </a:prstGeom>
-        </p:spPr>
-        <p:txBody>
-          <a:bodyPr anchorCtr="0" anchor="t" bIns="91425" lIns="91425" spcFirstLastPara="1" rIns="91425" wrap="square" tIns="91425">
-            <a:normAutofit/>
-          </a:bodyPr>
-          <a:lstStyle/>
-          <a:p>
-            <a:pPr indent="0" lvl="0" marL="0" rtl="0" algn="l">
-              <a:spcBef>
-                <a:spcPts val="0"/>
-              </a:spcBef>
-              <a:spcAft>
-                <a:spcPts val="1200"/>
-              </a:spcAft>
-              <a:buNone/>
-            </a:pPr>
-            <a:r>
-              <a:t/>
-            </a:r>
-            <a:endParaRPr/>
           </a:p>
         </p:txBody>
       </p:sp>
@@ -11441,6 +10802,285 @@
 </file>
 
 <file path=ppt/theme/theme1.xml><?xml version="1.0" encoding="utf-8"?>
+<a:theme xmlns:a="http://schemas.openxmlformats.org/drawingml/2006/main" xmlns:r="http://schemas.openxmlformats.org/officeDocument/2006/relationships" name="Plum">
+  <a:themeElements>
+    <a:clrScheme name="Plum">
+      <a:dk1>
+        <a:srgbClr val="611BB8"/>
+      </a:dk1>
+      <a:lt1>
+        <a:srgbClr val="FFFFFF"/>
+      </a:lt1>
+      <a:dk2>
+        <a:srgbClr val="000000"/>
+      </a:dk2>
+      <a:lt2>
+        <a:srgbClr val="7F7F7F"/>
+      </a:lt2>
+      <a:accent1>
+        <a:srgbClr val="333333"/>
+      </a:accent1>
+      <a:accent2>
+        <a:srgbClr val="5E2B97"/>
+      </a:accent2>
+      <a:accent3>
+        <a:srgbClr val="7E57C2"/>
+      </a:accent3>
+      <a:accent4>
+        <a:srgbClr val="C77025"/>
+      </a:accent4>
+      <a:accent5>
+        <a:srgbClr val="009688"/>
+      </a:accent5>
+      <a:accent6>
+        <a:srgbClr val="FFD600"/>
+      </a:accent6>
+      <a:hlink>
+        <a:srgbClr val="009688"/>
+      </a:hlink>
+      <a:folHlink>
+        <a:srgbClr val="009688"/>
+      </a:folHlink>
+    </a:clrScheme>
+    <a:fontScheme name="Office">
+      <a:majorFont>
+        <a:latin typeface="Arial"/>
+        <a:ea typeface=""/>
+        <a:cs typeface=""/>
+        <a:font script="Jpan" typeface="ＭＳ Ｐゴシック"/>
+        <a:font script="Hang" typeface="맑은 고딕"/>
+        <a:font script="Hans" typeface="宋体"/>
+        <a:font script="Hant" typeface="新細明體"/>
+        <a:font script="Arab" typeface="Times New Roman"/>
+        <a:font script="Hebr" typeface="Times New Roman"/>
+        <a:font script="Thai" typeface="Angsana New"/>
+        <a:font script="Ethi" typeface="Nyala"/>
+        <a:font script="Beng" typeface="Vrinda"/>
+        <a:font script="Gujr" typeface="Shruti"/>
+        <a:font script="Khmr" typeface="MoolBoran"/>
+        <a:font script="Knda" typeface="Tunga"/>
+        <a:font script="Guru" typeface="Raavi"/>
+        <a:font script="Cans" typeface="Euphemia"/>
+        <a:font script="Cher" typeface="Plantagenet Cherokee"/>
+        <a:font script="Yiii" typeface="Microsoft Yi Baiti"/>
+        <a:font script="Tibt" typeface="Microsoft Himalaya"/>
+        <a:font script="Thaa" typeface="MV Boli"/>
+        <a:font script="Deva" typeface="Mangal"/>
+        <a:font script="Telu" typeface="Gautami"/>
+        <a:font script="Taml" typeface="Latha"/>
+        <a:font script="Syrc" typeface="Estrangelo Edessa"/>
+        <a:font script="Orya" typeface="Kalinga"/>
+        <a:font script="Mlym" typeface="Kartika"/>
+        <a:font script="Laoo" typeface="DokChampa"/>
+        <a:font script="Sinh" typeface="Iskoola Pota"/>
+        <a:font script="Mong" typeface="Mongolian Baiti"/>
+        <a:font script="Viet" typeface="Times New Roman"/>
+        <a:font script="Uigh" typeface="Microsoft Uighur"/>
+        <a:font script="Geor" typeface="Sylfaen"/>
+      </a:majorFont>
+      <a:minorFont>
+        <a:latin typeface="Arial"/>
+        <a:ea typeface=""/>
+        <a:cs typeface=""/>
+        <a:font script="Jpan" typeface="ＭＳ Ｐゴシック"/>
+        <a:font script="Hang" typeface="맑은 고딕"/>
+        <a:font script="Hans" typeface="宋体"/>
+        <a:font script="Hant" typeface="新細明體"/>
+        <a:font script="Arab" typeface="Arial"/>
+        <a:font script="Hebr" typeface="Arial"/>
+        <a:font script="Thai" typeface="Cordia New"/>
+        <a:font script="Ethi" typeface="Nyala"/>
+        <a:font script="Beng" typeface="Vrinda"/>
+        <a:font script="Gujr" typeface="Shruti"/>
+        <a:font script="Khmr" typeface="DaunPenh"/>
+        <a:font script="Knda" typeface="Tunga"/>
+        <a:font script="Guru" typeface="Raavi"/>
+        <a:font script="Cans" typeface="Euphemia"/>
+        <a:font script="Cher" typeface="Plantagenet Cherokee"/>
+        <a:font script="Yiii" typeface="Microsoft Yi Baiti"/>
+        <a:font script="Tibt" typeface="Microsoft Himalaya"/>
+        <a:font script="Thaa" typeface="MV Boli"/>
+        <a:font script="Deva" typeface="Mangal"/>
+        <a:font script="Telu" typeface="Gautami"/>
+        <a:font script="Taml" typeface="Latha"/>
+        <a:font script="Syrc" typeface="Estrangelo Edessa"/>
+        <a:font script="Orya" typeface="Kalinga"/>
+        <a:font script="Mlym" typeface="Kartika"/>
+        <a:font script="Laoo" typeface="DokChampa"/>
+        <a:font script="Sinh" typeface="Iskoola Pota"/>
+        <a:font script="Mong" typeface="Mongolian Baiti"/>
+        <a:font script="Viet" typeface="Arial"/>
+        <a:font script="Uigh" typeface="Microsoft Uighur"/>
+        <a:font script="Geor" typeface="Sylfaen"/>
+      </a:minorFont>
+    </a:fontScheme>
+    <a:fmtScheme name="Office">
+      <a:fillStyleLst>
+        <a:solidFill>
+          <a:schemeClr val="phClr"/>
+        </a:solidFill>
+        <a:gradFill rotWithShape="1">
+          <a:gsLst>
+            <a:gs pos="0">
+              <a:schemeClr val="phClr">
+                <a:tint val="50000"/>
+                <a:satMod val="300000"/>
+              </a:schemeClr>
+            </a:gs>
+            <a:gs pos="35000">
+              <a:schemeClr val="phClr">
+                <a:tint val="37000"/>
+                <a:satMod val="300000"/>
+              </a:schemeClr>
+            </a:gs>
+            <a:gs pos="100000">
+              <a:schemeClr val="phClr">
+                <a:tint val="15000"/>
+                <a:satMod val="350000"/>
+              </a:schemeClr>
+            </a:gs>
+          </a:gsLst>
+          <a:lin ang="16200000" scaled="1"/>
+        </a:gradFill>
+        <a:gradFill rotWithShape="1">
+          <a:gsLst>
+            <a:gs pos="0">
+              <a:schemeClr val="phClr">
+                <a:tint val="100000"/>
+                <a:shade val="100000"/>
+                <a:satMod val="130000"/>
+              </a:schemeClr>
+            </a:gs>
+            <a:gs pos="100000">
+              <a:schemeClr val="phClr">
+                <a:tint val="50000"/>
+                <a:shade val="100000"/>
+                <a:satMod val="350000"/>
+              </a:schemeClr>
+            </a:gs>
+          </a:gsLst>
+          <a:lin ang="16200000" scaled="0"/>
+        </a:gradFill>
+      </a:fillStyleLst>
+      <a:lnStyleLst>
+        <a:ln w="9525" cap="flat" cmpd="sng" algn="ctr">
+          <a:solidFill>
+            <a:schemeClr val="phClr">
+              <a:shade val="95000"/>
+              <a:satMod val="105000"/>
+            </a:schemeClr>
+          </a:solidFill>
+          <a:prstDash val="solid"/>
+        </a:ln>
+        <a:ln w="25400" cap="flat" cmpd="sng" algn="ctr">
+          <a:solidFill>
+            <a:schemeClr val="phClr"/>
+          </a:solidFill>
+          <a:prstDash val="solid"/>
+        </a:ln>
+        <a:ln w="38100" cap="flat" cmpd="sng" algn="ctr">
+          <a:solidFill>
+            <a:schemeClr val="phClr"/>
+          </a:solidFill>
+          <a:prstDash val="solid"/>
+        </a:ln>
+      </a:lnStyleLst>
+      <a:effectStyleLst>
+        <a:effectStyle>
+          <a:effectLst>
+            <a:outerShdw blurRad="40000" dist="20000" dir="5400000" rotWithShape="0">
+              <a:srgbClr val="000000">
+                <a:alpha val="38000"/>
+              </a:srgbClr>
+            </a:outerShdw>
+          </a:effectLst>
+        </a:effectStyle>
+        <a:effectStyle>
+          <a:effectLst>
+            <a:outerShdw blurRad="40000" dist="23000" dir="5400000" rotWithShape="0">
+              <a:srgbClr val="000000">
+                <a:alpha val="35000"/>
+              </a:srgbClr>
+            </a:outerShdw>
+          </a:effectLst>
+        </a:effectStyle>
+        <a:effectStyle>
+          <a:effectLst>
+            <a:outerShdw blurRad="40000" dist="23000" dir="5400000" rotWithShape="0">
+              <a:srgbClr val="000000">
+                <a:alpha val="35000"/>
+              </a:srgbClr>
+            </a:outerShdw>
+          </a:effectLst>
+          <a:scene3d>
+            <a:camera prst="orthographicFront">
+              <a:rot lat="0" lon="0" rev="0"/>
+            </a:camera>
+            <a:lightRig rig="threePt" dir="t">
+              <a:rot lat="0" lon="0" rev="1200000"/>
+            </a:lightRig>
+          </a:scene3d>
+          <a:sp3d>
+            <a:bevelT w="63500" h="25400"/>
+          </a:sp3d>
+        </a:effectStyle>
+      </a:effectStyleLst>
+      <a:bgFillStyleLst>
+        <a:solidFill>
+          <a:schemeClr val="phClr"/>
+        </a:solidFill>
+        <a:gradFill rotWithShape="1">
+          <a:gsLst>
+            <a:gs pos="0">
+              <a:schemeClr val="phClr">
+                <a:tint val="40000"/>
+                <a:satMod val="350000"/>
+              </a:schemeClr>
+            </a:gs>
+            <a:gs pos="40000">
+              <a:schemeClr val="phClr">
+                <a:tint val="45000"/>
+                <a:shade val="99000"/>
+                <a:satMod val="350000"/>
+              </a:schemeClr>
+            </a:gs>
+            <a:gs pos="100000">
+              <a:schemeClr val="phClr">
+                <a:shade val="20000"/>
+                <a:satMod val="255000"/>
+              </a:schemeClr>
+            </a:gs>
+          </a:gsLst>
+          <a:path path="circle">
+            <a:fillToRect l="50000" t="-80000" r="50000" b="180000"/>
+          </a:path>
+        </a:gradFill>
+        <a:gradFill rotWithShape="1">
+          <a:gsLst>
+            <a:gs pos="0">
+              <a:schemeClr val="phClr">
+                <a:tint val="80000"/>
+                <a:satMod val="300000"/>
+              </a:schemeClr>
+            </a:gs>
+            <a:gs pos="100000">
+              <a:schemeClr val="phClr">
+                <a:shade val="30000"/>
+                <a:satMod val="200000"/>
+              </a:schemeClr>
+            </a:gs>
+          </a:gsLst>
+          <a:path path="circle">
+            <a:fillToRect l="50000" t="50000" r="50000" b="50000"/>
+          </a:path>
+        </a:gradFill>
+      </a:bgFillStyleLst>
+    </a:fmtScheme>
+  </a:themeElements>
+</a:theme>
+</file>
+
+<file path=ppt/theme/theme2.xml><?xml version="1.0" encoding="utf-8"?>
 <a:theme xmlns:a="http://schemas.openxmlformats.org/drawingml/2006/main" xmlns:r="http://schemas.openxmlformats.org/officeDocument/2006/relationships">
   <a:themeElements>
     <a:clrScheme name="Default">
@@ -11717,283 +11357,4 @@
     </a:fmtScheme>
   </a:themeElements>
 </a:theme>
-</file>
-
-<file path=ppt/theme/theme2.xml><?xml version="1.0" encoding="utf-8"?>
-<a:theme xmlns:a="http://schemas.openxmlformats.org/drawingml/2006/main" xmlns:r="http://schemas.openxmlformats.org/officeDocument/2006/relationships" name="Plum">
-  <a:themeElements>
-    <a:clrScheme name="Plum">
-      <a:dk1>
-        <a:srgbClr val="611BB8"/>
-      </a:dk1>
-      <a:lt1>
-        <a:srgbClr val="FFFFFF"/>
-      </a:lt1>
-      <a:dk2>
-        <a:srgbClr val="000000"/>
-      </a:dk2>
-      <a:lt2>
-        <a:srgbClr val="7F7F7F"/>
-      </a:lt2>
-      <a:accent1>
-        <a:srgbClr val="333333"/>
-      </a:accent1>
-      <a:accent2>
-        <a:srgbClr val="5E2B97"/>
-      </a:accent2>
-      <a:accent3>
-        <a:srgbClr val="7E57C2"/>
-      </a:accent3>
-      <a:accent4>
-        <a:srgbClr val="C77025"/>
-      </a:accent4>
-      <a:accent5>
-        <a:srgbClr val="009688"/>
-      </a:accent5>
-      <a:accent6>
-        <a:srgbClr val="FFD600"/>
-      </a:accent6>
-      <a:hlink>
-        <a:srgbClr val="009688"/>
-      </a:hlink>
-      <a:folHlink>
-        <a:srgbClr val="009688"/>
-      </a:folHlink>
-    </a:clrScheme>
-    <a:fontScheme name="Office">
-      <a:majorFont>
-        <a:latin typeface="Arial"/>
-        <a:ea typeface=""/>
-        <a:cs typeface=""/>
-        <a:font script="Jpan" typeface="ＭＳ Ｐゴシック"/>
-        <a:font script="Hang" typeface="맑은 고딕"/>
-        <a:font script="Hans" typeface="宋体"/>
-        <a:font script="Hant" typeface="新細明體"/>
-        <a:font script="Arab" typeface="Times New Roman"/>
-        <a:font script="Hebr" typeface="Times New Roman"/>
-        <a:font script="Thai" typeface="Angsana New"/>
-        <a:font script="Ethi" typeface="Nyala"/>
-        <a:font script="Beng" typeface="Vrinda"/>
-        <a:font script="Gujr" typeface="Shruti"/>
-        <a:font script="Khmr" typeface="MoolBoran"/>
-        <a:font script="Knda" typeface="Tunga"/>
-        <a:font script="Guru" typeface="Raavi"/>
-        <a:font script="Cans" typeface="Euphemia"/>
-        <a:font script="Cher" typeface="Plantagenet Cherokee"/>
-        <a:font script="Yiii" typeface="Microsoft Yi Baiti"/>
-        <a:font script="Tibt" typeface="Microsoft Himalaya"/>
-        <a:font script="Thaa" typeface="MV Boli"/>
-        <a:font script="Deva" typeface="Mangal"/>
-        <a:font script="Telu" typeface="Gautami"/>
-        <a:font script="Taml" typeface="Latha"/>
-        <a:font script="Syrc" typeface="Estrangelo Edessa"/>
-        <a:font script="Orya" typeface="Kalinga"/>
-        <a:font script="Mlym" typeface="Kartika"/>
-        <a:font script="Laoo" typeface="DokChampa"/>
-        <a:font script="Sinh" typeface="Iskoola Pota"/>
-        <a:font script="Mong" typeface="Mongolian Baiti"/>
-        <a:font script="Viet" typeface="Times New Roman"/>
-        <a:font script="Uigh" typeface="Microsoft Uighur"/>
-        <a:font script="Geor" typeface="Sylfaen"/>
-      </a:majorFont>
-      <a:minorFont>
-        <a:latin typeface="Arial"/>
-        <a:ea typeface=""/>
-        <a:cs typeface=""/>
-        <a:font script="Jpan" typeface="ＭＳ Ｐゴシック"/>
-        <a:font script="Hang" typeface="맑은 고딕"/>
-        <a:font script="Hans" typeface="宋体"/>
-        <a:font script="Hant" typeface="新細明體"/>
-        <a:font script="Arab" typeface="Arial"/>
-        <a:font script="Hebr" typeface="Arial"/>
-        <a:font script="Thai" typeface="Cordia New"/>
-        <a:font script="Ethi" typeface="Nyala"/>
-        <a:font script="Beng" typeface="Vrinda"/>
-        <a:font script="Gujr" typeface="Shruti"/>
-        <a:font script="Khmr" typeface="DaunPenh"/>
-        <a:font script="Knda" typeface="Tunga"/>
-        <a:font script="Guru" typeface="Raavi"/>
-        <a:font script="Cans" typeface="Euphemia"/>
-        <a:font script="Cher" typeface="Plantagenet Cherokee"/>
-        <a:font script="Yiii" typeface="Microsoft Yi Baiti"/>
-        <a:font script="Tibt" typeface="Microsoft Himalaya"/>
-        <a:font script="Thaa" typeface="MV Boli"/>
-        <a:font script="Deva" typeface="Mangal"/>
-        <a:font script="Telu" typeface="Gautami"/>
-        <a:font script="Taml" typeface="Latha"/>
-        <a:font script="Syrc" typeface="Estrangelo Edessa"/>
-        <a:font script="Orya" typeface="Kalinga"/>
-        <a:font script="Mlym" typeface="Kartika"/>
-        <a:font script="Laoo" typeface="DokChampa"/>
-        <a:font script="Sinh" typeface="Iskoola Pota"/>
-        <a:font script="Mong" typeface="Mongolian Baiti"/>
-        <a:font script="Viet" typeface="Arial"/>
-        <a:font script="Uigh" typeface="Microsoft Uighur"/>
-        <a:font script="Geor" typeface="Sylfaen"/>
-      </a:minorFont>
-    </a:fontScheme>
-    <a:fmtScheme name="Office">
-      <a:fillStyleLst>
-        <a:solidFill>
-          <a:schemeClr val="phClr"/>
-        </a:solidFill>
-        <a:gradFill rotWithShape="1">
-          <a:gsLst>
-            <a:gs pos="0">
-              <a:schemeClr val="phClr">
-                <a:tint val="50000"/>
-                <a:satMod val="300000"/>
-              </a:schemeClr>
-            </a:gs>
-            <a:gs pos="35000">
-              <a:schemeClr val="phClr">
-                <a:tint val="37000"/>
-                <a:satMod val="300000"/>
-              </a:schemeClr>
-            </a:gs>
-            <a:gs pos="100000">
-              <a:schemeClr val="phClr">
-                <a:tint val="15000"/>
-                <a:satMod val="350000"/>
-              </a:schemeClr>
-            </a:gs>
-          </a:gsLst>
-          <a:lin ang="16200000" scaled="1"/>
-        </a:gradFill>
-        <a:gradFill rotWithShape="1">
-          <a:gsLst>
-            <a:gs pos="0">
-              <a:schemeClr val="phClr">
-                <a:tint val="100000"/>
-                <a:shade val="100000"/>
-                <a:satMod val="130000"/>
-              </a:schemeClr>
-            </a:gs>
-            <a:gs pos="100000">
-              <a:schemeClr val="phClr">
-                <a:tint val="50000"/>
-                <a:shade val="100000"/>
-                <a:satMod val="350000"/>
-              </a:schemeClr>
-            </a:gs>
-          </a:gsLst>
-          <a:lin ang="16200000" scaled="0"/>
-        </a:gradFill>
-      </a:fillStyleLst>
-      <a:lnStyleLst>
-        <a:ln w="9525" cap="flat" cmpd="sng" algn="ctr">
-          <a:solidFill>
-            <a:schemeClr val="phClr">
-              <a:shade val="95000"/>
-              <a:satMod val="105000"/>
-            </a:schemeClr>
-          </a:solidFill>
-          <a:prstDash val="solid"/>
-        </a:ln>
-        <a:ln w="25400" cap="flat" cmpd="sng" algn="ctr">
-          <a:solidFill>
-            <a:schemeClr val="phClr"/>
-          </a:solidFill>
-          <a:prstDash val="solid"/>
-        </a:ln>
-        <a:ln w="38100" cap="flat" cmpd="sng" algn="ctr">
-          <a:solidFill>
-            <a:schemeClr val="phClr"/>
-          </a:solidFill>
-          <a:prstDash val="solid"/>
-        </a:ln>
-      </a:lnStyleLst>
-      <a:effectStyleLst>
-        <a:effectStyle>
-          <a:effectLst>
-            <a:outerShdw blurRad="40000" dist="20000" dir="5400000" rotWithShape="0">
-              <a:srgbClr val="000000">
-                <a:alpha val="38000"/>
-              </a:srgbClr>
-            </a:outerShdw>
-          </a:effectLst>
-        </a:effectStyle>
-        <a:effectStyle>
-          <a:effectLst>
-            <a:outerShdw blurRad="40000" dist="23000" dir="5400000" rotWithShape="0">
-              <a:srgbClr val="000000">
-                <a:alpha val="35000"/>
-              </a:srgbClr>
-            </a:outerShdw>
-          </a:effectLst>
-        </a:effectStyle>
-        <a:effectStyle>
-          <a:effectLst>
-            <a:outerShdw blurRad="40000" dist="23000" dir="5400000" rotWithShape="0">
-              <a:srgbClr val="000000">
-                <a:alpha val="35000"/>
-              </a:srgbClr>
-            </a:outerShdw>
-          </a:effectLst>
-          <a:scene3d>
-            <a:camera prst="orthographicFront">
-              <a:rot lat="0" lon="0" rev="0"/>
-            </a:camera>
-            <a:lightRig rig="threePt" dir="t">
-              <a:rot lat="0" lon="0" rev="1200000"/>
-            </a:lightRig>
-          </a:scene3d>
-          <a:sp3d>
-            <a:bevelT w="63500" h="25400"/>
-          </a:sp3d>
-        </a:effectStyle>
-      </a:effectStyleLst>
-      <a:bgFillStyleLst>
-        <a:solidFill>
-          <a:schemeClr val="phClr"/>
-        </a:solidFill>
-        <a:gradFill rotWithShape="1">
-          <a:gsLst>
-            <a:gs pos="0">
-              <a:schemeClr val="phClr">
-                <a:tint val="40000"/>
-                <a:satMod val="350000"/>
-              </a:schemeClr>
-            </a:gs>
-            <a:gs pos="40000">
-              <a:schemeClr val="phClr">
-                <a:tint val="45000"/>
-                <a:shade val="99000"/>
-                <a:satMod val="350000"/>
-              </a:schemeClr>
-            </a:gs>
-            <a:gs pos="100000">
-              <a:schemeClr val="phClr">
-                <a:shade val="20000"/>
-                <a:satMod val="255000"/>
-              </a:schemeClr>
-            </a:gs>
-          </a:gsLst>
-          <a:path path="circle">
-            <a:fillToRect l="50000" t="-80000" r="50000" b="180000"/>
-          </a:path>
-        </a:gradFill>
-        <a:gradFill rotWithShape="1">
-          <a:gsLst>
-            <a:gs pos="0">
-              <a:schemeClr val="phClr">
-                <a:tint val="80000"/>
-                <a:satMod val="300000"/>
-              </a:schemeClr>
-            </a:gs>
-            <a:gs pos="100000">
-              <a:schemeClr val="phClr">
-                <a:shade val="30000"/>
-                <a:satMod val="200000"/>
-              </a:schemeClr>
-            </a:gs>
-          </a:gsLst>
-          <a:path path="circle">
-            <a:fillToRect l="50000" t="50000" r="50000" b="50000"/>
-          </a:path>
-        </a:gradFill>
-      </a:bgFillStyleLst>
-    </a:fmtScheme>
-  </a:themeElements>
-</a:theme>
 </file>